--- a/doc/task9/Softwarearchitecture.pptx
+++ b/doc/task9/Softwarearchitecture.pptx
@@ -5,7 +5,8 @@
     <p:sldMasterId id="2147483648" r:id="rId1"/>
   </p:sldMasterIdLst>
   <p:sldIdLst>
-    <p:sldId id="256" r:id="rId2"/>
+    <p:sldId id="257" r:id="rId2"/>
+    <p:sldId id="256" r:id="rId3"/>
   </p:sldIdLst>
   <p:sldSz cx="12192000" cy="6858000"/>
   <p:notesSz cx="6858000" cy="9144000"/>
@@ -104,6 +105,11 @@
       </a:defRPr>
     </a:lvl9pPr>
   </p:defaultTextStyle>
+  <p:extLst>
+    <p:ext uri="{EFAFB233-063F-42B5-8137-9DF3F51BA10A}">
+      <p15:sldGuideLst xmlns:p15="http://schemas.microsoft.com/office/powerpoint/2012/main"/>
+    </p:ext>
+  </p:extLst>
 </p:presentation>
 </file>
 
@@ -238,7 +244,7 @@
           <a:p>
             <a:fld id="{4681F75E-962A-45C3-98CE-8645D5A252DE}" type="datetimeFigureOut">
               <a:rPr lang="de-CH" smtClean="0"/>
-              <a:t>01.12.2016</a:t>
+              <a:t>01.12.16</a:t>
             </a:fld>
             <a:endParaRPr lang="de-CH"/>
           </a:p>
@@ -408,7 +414,7 @@
           <a:p>
             <a:fld id="{4681F75E-962A-45C3-98CE-8645D5A252DE}" type="datetimeFigureOut">
               <a:rPr lang="de-CH" smtClean="0"/>
-              <a:t>01.12.2016</a:t>
+              <a:t>01.12.16</a:t>
             </a:fld>
             <a:endParaRPr lang="de-CH"/>
           </a:p>
@@ -588,7 +594,7 @@
           <a:p>
             <a:fld id="{4681F75E-962A-45C3-98CE-8645D5A252DE}" type="datetimeFigureOut">
               <a:rPr lang="de-CH" smtClean="0"/>
-              <a:t>01.12.2016</a:t>
+              <a:t>01.12.16</a:t>
             </a:fld>
             <a:endParaRPr lang="de-CH"/>
           </a:p>
@@ -640,6 +646,647 @@
     <p:extLst>
       <p:ext uri="{BB962C8B-B14F-4D97-AF65-F5344CB8AC3E}">
         <p14:creationId xmlns:p14="http://schemas.microsoft.com/office/powerpoint/2010/main" val="849120292"/>
+      </p:ext>
+    </p:extLst>
+  </p:cSld>
+  <p:clrMapOvr>
+    <a:masterClrMapping/>
+  </p:clrMapOvr>
+</p:sldLayout>
+</file>
+
+<file path=ppt/slideLayouts/slideLayout12.xml><?xml version="1.0" encoding="utf-8"?>
+<p:sldLayout xmlns:a="http://schemas.openxmlformats.org/drawingml/2006/main" xmlns:r="http://schemas.openxmlformats.org/officeDocument/2006/relationships" xmlns:p="http://schemas.openxmlformats.org/presentationml/2006/main" userDrawn="1">
+  <p:cSld name="Titelfolie ohne Bild">
+    <p:spTree>
+      <p:nvGrpSpPr>
+        <p:cNvPr id="1" name=""/>
+        <p:cNvGrpSpPr/>
+        <p:nvPr/>
+      </p:nvGrpSpPr>
+      <p:grpSpPr>
+        <a:xfrm>
+          <a:off x="0" y="0"/>
+          <a:ext cx="0" cy="0"/>
+          <a:chOff x="0" y="0"/>
+          <a:chExt cx="0" cy="0"/>
+        </a:xfrm>
+      </p:grpSpPr>
+      <p:sp>
+        <p:nvSpPr>
+          <p:cNvPr id="5" name="Abgerundetes Rechteck 4"/>
+          <p:cNvSpPr/>
+          <p:nvPr/>
+        </p:nvSpPr>
+        <p:spPr>
+          <a:xfrm>
+            <a:off x="1" y="1668463"/>
+            <a:ext cx="9359900" cy="2881312"/>
+          </a:xfrm>
+          <a:prstGeom prst="roundRect">
+            <a:avLst>
+              <a:gd name="adj" fmla="val 1188"/>
+            </a:avLst>
+          </a:prstGeom>
+          <a:solidFill>
+            <a:srgbClr val="697D91"/>
+          </a:solidFill>
+          <a:ln>
+            <a:noFill/>
+          </a:ln>
+          <a:effectLst/>
+        </p:spPr>
+        <p:style>
+          <a:lnRef idx="1">
+            <a:schemeClr val="accent1"/>
+          </a:lnRef>
+          <a:fillRef idx="3">
+            <a:schemeClr val="accent1"/>
+          </a:fillRef>
+          <a:effectRef idx="2">
+            <a:schemeClr val="accent1"/>
+          </a:effectRef>
+          <a:fontRef idx="minor">
+            <a:schemeClr val="lt1"/>
+          </a:fontRef>
+        </p:style>
+        <p:txBody>
+          <a:bodyPr anchor="ctr"/>
+          <a:lstStyle/>
+          <a:p>
+            <a:pPr algn="ctr" fontAlgn="auto">
+              <a:spcBef>
+                <a:spcPts val="0"/>
+              </a:spcBef>
+              <a:spcAft>
+                <a:spcPts val="0"/>
+              </a:spcAft>
+              <a:defRPr/>
+            </a:pPr>
+            <a:endParaRPr lang="de-DE" sz="1800">
+              <a:solidFill>
+                <a:srgbClr val="E78E23"/>
+              </a:solidFill>
+            </a:endParaRPr>
+          </a:p>
+        </p:txBody>
+      </p:sp>
+      <p:sp>
+        <p:nvSpPr>
+          <p:cNvPr id="6" name="Abgerundetes Rechteck 5"/>
+          <p:cNvSpPr/>
+          <p:nvPr/>
+        </p:nvSpPr>
+        <p:spPr>
+          <a:xfrm>
+            <a:off x="1" y="1633539"/>
+            <a:ext cx="9359900" cy="71437"/>
+          </a:xfrm>
+          <a:prstGeom prst="roundRect">
+            <a:avLst/>
+          </a:prstGeom>
+          <a:solidFill>
+            <a:srgbClr val="FAA500"/>
+          </a:solidFill>
+          <a:ln>
+            <a:noFill/>
+          </a:ln>
+          <a:effectLst/>
+        </p:spPr>
+        <p:style>
+          <a:lnRef idx="1">
+            <a:schemeClr val="accent1"/>
+          </a:lnRef>
+          <a:fillRef idx="3">
+            <a:schemeClr val="accent1"/>
+          </a:fillRef>
+          <a:effectRef idx="2">
+            <a:schemeClr val="accent1"/>
+          </a:effectRef>
+          <a:fontRef idx="minor">
+            <a:schemeClr val="lt1"/>
+          </a:fontRef>
+        </p:style>
+        <p:txBody>
+          <a:bodyPr anchor="ctr"/>
+          <a:lstStyle/>
+          <a:p>
+            <a:pPr algn="ctr" fontAlgn="auto">
+              <a:spcBef>
+                <a:spcPts val="0"/>
+              </a:spcBef>
+              <a:spcAft>
+                <a:spcPts val="0"/>
+              </a:spcAft>
+              <a:defRPr/>
+            </a:pPr>
+            <a:endParaRPr lang="de-DE" sz="1800">
+              <a:solidFill>
+                <a:srgbClr val="E78E23"/>
+              </a:solidFill>
+            </a:endParaRPr>
+          </a:p>
+        </p:txBody>
+      </p:sp>
+      <p:sp>
+        <p:nvSpPr>
+          <p:cNvPr id="7" name="Abgerundetes Rechteck 6"/>
+          <p:cNvSpPr/>
+          <p:nvPr/>
+        </p:nvSpPr>
+        <p:spPr>
+          <a:xfrm>
+            <a:off x="1" y="4513264"/>
+            <a:ext cx="9359900" cy="71437"/>
+          </a:xfrm>
+          <a:prstGeom prst="roundRect">
+            <a:avLst/>
+          </a:prstGeom>
+          <a:solidFill>
+            <a:srgbClr val="FAA500"/>
+          </a:solidFill>
+          <a:ln>
+            <a:noFill/>
+          </a:ln>
+          <a:effectLst/>
+        </p:spPr>
+        <p:style>
+          <a:lnRef idx="1">
+            <a:schemeClr val="accent1"/>
+          </a:lnRef>
+          <a:fillRef idx="3">
+            <a:schemeClr val="accent1"/>
+          </a:fillRef>
+          <a:effectRef idx="2">
+            <a:schemeClr val="accent1"/>
+          </a:effectRef>
+          <a:fontRef idx="minor">
+            <a:schemeClr val="lt1"/>
+          </a:fontRef>
+        </p:style>
+        <p:txBody>
+          <a:bodyPr anchor="ctr"/>
+          <a:lstStyle/>
+          <a:p>
+            <a:pPr algn="ctr" fontAlgn="auto">
+              <a:spcBef>
+                <a:spcPts val="0"/>
+              </a:spcBef>
+              <a:spcAft>
+                <a:spcPts val="0"/>
+              </a:spcAft>
+              <a:defRPr/>
+            </a:pPr>
+            <a:endParaRPr lang="de-DE" sz="1800">
+              <a:solidFill>
+                <a:srgbClr val="E78E23"/>
+              </a:solidFill>
+            </a:endParaRPr>
+          </a:p>
+        </p:txBody>
+      </p:sp>
+      <p:sp>
+        <p:nvSpPr>
+          <p:cNvPr id="8" name="Rechteck 7"/>
+          <p:cNvSpPr/>
+          <p:nvPr/>
+        </p:nvSpPr>
+        <p:spPr>
+          <a:xfrm>
+            <a:off x="497297" y="6253843"/>
+            <a:ext cx="8289271" cy="304000"/>
+          </a:xfrm>
+          <a:prstGeom prst="rect">
+            <a:avLst/>
+          </a:prstGeom>
+          <a:solidFill>
+            <a:schemeClr val="bg1"/>
+          </a:solidFill>
+          <a:ln>
+            <a:noFill/>
+          </a:ln>
+          <a:effectLst>
+            <a:glow rad="101600">
+              <a:schemeClr val="bg1">
+                <a:alpha val="75000"/>
+              </a:schemeClr>
+            </a:glow>
+          </a:effectLst>
+        </p:spPr>
+        <p:style>
+          <a:lnRef idx="1">
+            <a:schemeClr val="accent1"/>
+          </a:lnRef>
+          <a:fillRef idx="3">
+            <a:schemeClr val="accent1"/>
+          </a:fillRef>
+          <a:effectRef idx="2">
+            <a:schemeClr val="accent1"/>
+          </a:effectRef>
+          <a:fontRef idx="minor">
+            <a:schemeClr val="lt1"/>
+          </a:fontRef>
+        </p:style>
+        <p:txBody>
+          <a:bodyPr anchor="ctr"/>
+          <a:lstStyle/>
+          <a:p>
+            <a:pPr algn="ctr" fontAlgn="auto">
+              <a:spcBef>
+                <a:spcPts val="0"/>
+              </a:spcBef>
+              <a:spcAft>
+                <a:spcPts val="0"/>
+              </a:spcAft>
+              <a:defRPr/>
+            </a:pPr>
+            <a:r>
+              <a:rPr lang="de-DE" sz="1800" dirty="0"/>
+              <a:t>t</a:t>
+            </a:r>
+          </a:p>
+        </p:txBody>
+      </p:sp>
+      <p:pic>
+        <p:nvPicPr>
+          <p:cNvPr id="9" name="Bild 8" descr="BFH_Logo_A_defren_100_RGB_130220.png"/>
+          <p:cNvPicPr>
+            <a:picLocks noChangeAspect="1"/>
+          </p:cNvPicPr>
+          <p:nvPr/>
+        </p:nvPicPr>
+        <p:blipFill>
+          <a:blip r:embed="rId2">
+            <a:extLst>
+              <a:ext uri="{28A0092B-C50C-407E-A947-70E740481C1C}">
+                <a14:useLocalDpi xmlns:a14="http://schemas.microsoft.com/office/drawing/2010/main" val="0"/>
+              </a:ext>
+            </a:extLst>
+          </a:blip>
+          <a:srcRect/>
+          <a:stretch>
+            <a:fillRect/>
+          </a:stretch>
+        </p:blipFill>
+        <p:spPr bwMode="auto">
+          <a:xfrm>
+            <a:off x="603251" y="315914"/>
+            <a:ext cx="2040467" cy="1100137"/>
+          </a:xfrm>
+          <a:prstGeom prst="rect">
+            <a:avLst/>
+          </a:prstGeom>
+          <a:noFill/>
+          <a:ln>
+            <a:noFill/>
+          </a:ln>
+          <a:extLst>
+            <a:ext uri="{909E8E84-426E-40DD-AFC4-6F175D3DCCD1}">
+              <a14:hiddenFill xmlns:a14="http://schemas.microsoft.com/office/drawing/2010/main">
+                <a:solidFill>
+                  <a:srgbClr val="FFFFFF"/>
+                </a:solidFill>
+              </a14:hiddenFill>
+            </a:ext>
+            <a:ext uri="{91240B29-F687-4F45-9708-019B960494DF}">
+              <a14:hiddenLine xmlns:a14="http://schemas.microsoft.com/office/drawing/2010/main" w="9525">
+                <a:solidFill>
+                  <a:srgbClr val="000000"/>
+                </a:solidFill>
+                <a:miter lim="800000"/>
+                <a:headEnd/>
+                <a:tailEnd/>
+              </a14:hiddenLine>
+            </a:ext>
+          </a:extLst>
+        </p:spPr>
+      </p:pic>
+      <p:sp>
+        <p:nvSpPr>
+          <p:cNvPr id="12" name="Titel 1"/>
+          <p:cNvSpPr>
+            <a:spLocks noGrp="1"/>
+          </p:cNvSpPr>
+          <p:nvPr>
+            <p:ph type="ctrTitle" hasCustomPrompt="1"/>
+          </p:nvPr>
+        </p:nvSpPr>
+        <p:spPr>
+          <a:xfrm>
+            <a:off x="624000" y="1839809"/>
+            <a:ext cx="8685179" cy="533105"/>
+          </a:xfrm>
+          <a:prstGeom prst="rect">
+            <a:avLst/>
+          </a:prstGeom>
+        </p:spPr>
+        <p:txBody>
+          <a:bodyPr lIns="0" rIns="0"/>
+          <a:lstStyle>
+            <a:lvl1pPr algn="l">
+              <a:defRPr sz="2600" baseline="0">
+                <a:solidFill>
+                  <a:schemeClr val="bg1"/>
+                </a:solidFill>
+                <a:latin typeface="Lucida Sans"/>
+                <a:cs typeface="Lucida Sans Unicode"/>
+              </a:defRPr>
+            </a:lvl1pPr>
+          </a:lstStyle>
+          <a:p>
+            <a:r>
+              <a:rPr lang="de-DE" dirty="0"/>
+              <a:t>Titelseite ohne Bild</a:t>
+            </a:r>
+          </a:p>
+        </p:txBody>
+      </p:sp>
+      <p:sp>
+        <p:nvSpPr>
+          <p:cNvPr id="13" name="Untertitel 2"/>
+          <p:cNvSpPr>
+            <a:spLocks noGrp="1"/>
+          </p:cNvSpPr>
+          <p:nvPr>
+            <p:ph type="subTitle" idx="1"/>
+          </p:nvPr>
+        </p:nvSpPr>
+        <p:spPr>
+          <a:xfrm>
+            <a:off x="624000" y="2372913"/>
+            <a:ext cx="8685179" cy="805526"/>
+          </a:xfrm>
+          <a:prstGeom prst="rect">
+            <a:avLst/>
+          </a:prstGeom>
+        </p:spPr>
+        <p:txBody>
+          <a:bodyPr lIns="0"/>
+          <a:lstStyle>
+            <a:lvl1pPr marL="0" indent="0" algn="l">
+              <a:buNone/>
+              <a:defRPr sz="1600" spc="0">
+                <a:solidFill>
+                  <a:schemeClr val="bg1"/>
+                </a:solidFill>
+                <a:latin typeface="Lucida Sans"/>
+                <a:cs typeface="Lucida Sans Unicode"/>
+              </a:defRPr>
+            </a:lvl1pPr>
+            <a:lvl2pPr marL="457200" indent="0" algn="ctr">
+              <a:buNone/>
+              <a:defRPr>
+                <a:solidFill>
+                  <a:schemeClr val="tx1">
+                    <a:tint val="75000"/>
+                  </a:schemeClr>
+                </a:solidFill>
+              </a:defRPr>
+            </a:lvl2pPr>
+            <a:lvl3pPr marL="914400" indent="0" algn="ctr">
+              <a:buNone/>
+              <a:defRPr>
+                <a:solidFill>
+                  <a:schemeClr val="tx1">
+                    <a:tint val="75000"/>
+                  </a:schemeClr>
+                </a:solidFill>
+              </a:defRPr>
+            </a:lvl3pPr>
+            <a:lvl4pPr marL="1371600" indent="0" algn="ctr">
+              <a:buNone/>
+              <a:defRPr>
+                <a:solidFill>
+                  <a:schemeClr val="tx1">
+                    <a:tint val="75000"/>
+                  </a:schemeClr>
+                </a:solidFill>
+              </a:defRPr>
+            </a:lvl4pPr>
+            <a:lvl5pPr marL="1828800" indent="0" algn="ctr">
+              <a:buNone/>
+              <a:defRPr>
+                <a:solidFill>
+                  <a:schemeClr val="tx1">
+                    <a:tint val="75000"/>
+                  </a:schemeClr>
+                </a:solidFill>
+              </a:defRPr>
+            </a:lvl5pPr>
+            <a:lvl6pPr marL="2286000" indent="0" algn="ctr">
+              <a:buNone/>
+              <a:defRPr>
+                <a:solidFill>
+                  <a:schemeClr val="tx1">
+                    <a:tint val="75000"/>
+                  </a:schemeClr>
+                </a:solidFill>
+              </a:defRPr>
+            </a:lvl6pPr>
+            <a:lvl7pPr marL="2743200" indent="0" algn="ctr">
+              <a:buNone/>
+              <a:defRPr>
+                <a:solidFill>
+                  <a:schemeClr val="tx1">
+                    <a:tint val="75000"/>
+                  </a:schemeClr>
+                </a:solidFill>
+              </a:defRPr>
+            </a:lvl7pPr>
+            <a:lvl8pPr marL="3200400" indent="0" algn="ctr">
+              <a:buNone/>
+              <a:defRPr>
+                <a:solidFill>
+                  <a:schemeClr val="tx1">
+                    <a:tint val="75000"/>
+                  </a:schemeClr>
+                </a:solidFill>
+              </a:defRPr>
+            </a:lvl8pPr>
+            <a:lvl9pPr marL="3657600" indent="0" algn="ctr">
+              <a:buNone/>
+              <a:defRPr>
+                <a:solidFill>
+                  <a:schemeClr val="tx1">
+                    <a:tint val="75000"/>
+                  </a:schemeClr>
+                </a:solidFill>
+              </a:defRPr>
+            </a:lvl9pPr>
+          </a:lstStyle>
+          <a:p>
+            <a:r>
+              <a:rPr lang="de-DE"/>
+              <a:t>Formatvorlage des Untertitelmasters durch Klicken bearbeiten</a:t>
+            </a:r>
+            <a:endParaRPr lang="de-DE" dirty="0"/>
+          </a:p>
+        </p:txBody>
+      </p:sp>
+      <p:sp>
+        <p:nvSpPr>
+          <p:cNvPr id="17" name="Textplatzhalter 15"/>
+          <p:cNvSpPr>
+            <a:spLocks noGrp="1"/>
+          </p:cNvSpPr>
+          <p:nvPr>
+            <p:ph type="body" sz="quarter" idx="13" hasCustomPrompt="1"/>
+          </p:nvPr>
+        </p:nvSpPr>
+        <p:spPr>
+          <a:xfrm>
+            <a:off x="616008" y="6299494"/>
+            <a:ext cx="9053845" cy="258474"/>
+          </a:xfrm>
+          <a:prstGeom prst="rect">
+            <a:avLst/>
+          </a:prstGeom>
+        </p:spPr>
+        <p:txBody>
+          <a:bodyPr vert="horz" lIns="0" rIns="0"/>
+          <a:lstStyle>
+            <a:lvl1pPr marL="177800" indent="-177800">
+              <a:buClr>
+                <a:srgbClr val="FAA500"/>
+              </a:buClr>
+              <a:buSzPct val="80000"/>
+              <a:buFont typeface="Lucida Grande"/>
+              <a:buChar char="▶"/>
+              <a:tabLst>
+                <a:tab pos="2151063" algn="l"/>
+              </a:tabLst>
+              <a:defRPr sz="1000" baseline="0">
+                <a:solidFill>
+                  <a:srgbClr val="697D91"/>
+                </a:solidFill>
+                <a:latin typeface="Lucida Sans"/>
+              </a:defRPr>
+            </a:lvl1pPr>
+            <a:lvl2pPr marL="177800" indent="-177800">
+              <a:buClr>
+                <a:srgbClr val="FAA500"/>
+              </a:buClr>
+              <a:buSzPct val="80000"/>
+              <a:buFont typeface="Lucida Grande"/>
+              <a:buChar char="▶"/>
+              <a:tabLst>
+                <a:tab pos="2151063" algn="l"/>
+              </a:tabLst>
+              <a:defRPr sz="1000" baseline="0">
+                <a:solidFill>
+                  <a:srgbClr val="697378"/>
+                </a:solidFill>
+                <a:latin typeface="Lucida Sans"/>
+              </a:defRPr>
+            </a:lvl2pPr>
+            <a:lvl3pPr marL="177800" indent="-177800">
+              <a:buClr>
+                <a:srgbClr val="FAA500"/>
+              </a:buClr>
+              <a:buSzPct val="80000"/>
+              <a:buFont typeface="Lucida Grande"/>
+              <a:buChar char="▶"/>
+              <a:tabLst>
+                <a:tab pos="2151063" algn="l"/>
+              </a:tabLst>
+              <a:defRPr sz="1000" baseline="0">
+                <a:solidFill>
+                  <a:srgbClr val="697378"/>
+                </a:solidFill>
+                <a:latin typeface="Lucida Sans"/>
+              </a:defRPr>
+            </a:lvl3pPr>
+            <a:lvl4pPr marL="177800" indent="-177800">
+              <a:buClr>
+                <a:srgbClr val="FAA500"/>
+              </a:buClr>
+              <a:buSzPct val="80000"/>
+              <a:buFont typeface="Lucida Grande"/>
+              <a:buChar char="▶"/>
+              <a:tabLst>
+                <a:tab pos="2151063" algn="l"/>
+              </a:tabLst>
+              <a:defRPr sz="1000" baseline="0">
+                <a:solidFill>
+                  <a:srgbClr val="697378"/>
+                </a:solidFill>
+                <a:latin typeface="Lucida Sans"/>
+              </a:defRPr>
+            </a:lvl4pPr>
+            <a:lvl5pPr marL="177800" indent="-177800">
+              <a:buClr>
+                <a:srgbClr val="FAA500"/>
+              </a:buClr>
+              <a:buSzPct val="80000"/>
+              <a:buFont typeface="Lucida Grande"/>
+              <a:buChar char="▶"/>
+              <a:tabLst>
+                <a:tab pos="2151063" algn="l"/>
+              </a:tabLst>
+              <a:defRPr sz="1000" baseline="0">
+                <a:solidFill>
+                  <a:srgbClr val="697378"/>
+                </a:solidFill>
+                <a:latin typeface="Lucida Sans"/>
+              </a:defRPr>
+            </a:lvl5pPr>
+          </a:lstStyle>
+          <a:p>
+            <a:pPr lvl="0"/>
+            <a:r>
+              <a:rPr lang="de-DE" dirty="0"/>
+              <a:t>Organisationseinheit oder Leistungsbereich</a:t>
+            </a:r>
+          </a:p>
+        </p:txBody>
+      </p:sp>
+      <p:sp>
+        <p:nvSpPr>
+          <p:cNvPr id="10" name="Datumsplatzhalter 3"/>
+          <p:cNvSpPr>
+            <a:spLocks noGrp="1"/>
+          </p:cNvSpPr>
+          <p:nvPr>
+            <p:ph type="dt" sz="half" idx="14"/>
+          </p:nvPr>
+        </p:nvSpPr>
+        <p:spPr>
+          <a:xfrm>
+            <a:off x="10079567" y="6300789"/>
+            <a:ext cx="1441451" cy="179387"/>
+          </a:xfrm>
+          <a:prstGeom prst="rect">
+            <a:avLst/>
+          </a:prstGeom>
+        </p:spPr>
+        <p:txBody>
+          <a:bodyPr vert="horz" wrap="square" lIns="91440" tIns="45720" rIns="91440" bIns="45720" numCol="1" anchor="t" anchorCtr="0" compatLnSpc="1">
+            <a:prstTxWarp prst="textNoShape">
+              <a:avLst/>
+            </a:prstTxWarp>
+          </a:bodyPr>
+          <a:lstStyle>
+            <a:lvl1pPr algn="r">
+              <a:defRPr sz="1000" smtClean="0">
+                <a:solidFill>
+                  <a:srgbClr val="697D91"/>
+                </a:solidFill>
+                <a:latin typeface="Lucida Sans" pitchFamily="34" charset="0"/>
+              </a:defRPr>
+            </a:lvl1pPr>
+          </a:lstStyle>
+          <a:p>
+            <a:pPr>
+              <a:defRPr/>
+            </a:pPr>
+            <a:endParaRPr lang="de-DE"/>
+          </a:p>
+        </p:txBody>
+      </p:sp>
+    </p:spTree>
+    <p:extLst>
+      <p:ext uri="{BB962C8B-B14F-4D97-AF65-F5344CB8AC3E}">
+        <p14:creationId xmlns:p14="http://schemas.microsoft.com/office/powerpoint/2010/main" val="57570698"/>
       </p:ext>
     </p:extLst>
   </p:cSld>
@@ -758,7 +1405,7 @@
           <a:p>
             <a:fld id="{4681F75E-962A-45C3-98CE-8645D5A252DE}" type="datetimeFigureOut">
               <a:rPr lang="de-CH" smtClean="0"/>
-              <a:t>01.12.2016</a:t>
+              <a:t>01.12.16</a:t>
             </a:fld>
             <a:endParaRPr lang="de-CH"/>
           </a:p>
@@ -1004,7 +1651,7 @@
           <a:p>
             <a:fld id="{4681F75E-962A-45C3-98CE-8645D5A252DE}" type="datetimeFigureOut">
               <a:rPr lang="de-CH" smtClean="0"/>
-              <a:t>01.12.2016</a:t>
+              <a:t>01.12.16</a:t>
             </a:fld>
             <a:endParaRPr lang="de-CH"/>
           </a:p>
@@ -1236,7 +1883,7 @@
           <a:p>
             <a:fld id="{4681F75E-962A-45C3-98CE-8645D5A252DE}" type="datetimeFigureOut">
               <a:rPr lang="de-CH" smtClean="0"/>
-              <a:t>01.12.2016</a:t>
+              <a:t>01.12.16</a:t>
             </a:fld>
             <a:endParaRPr lang="de-CH"/>
           </a:p>
@@ -1603,7 +2250,7 @@
           <a:p>
             <a:fld id="{4681F75E-962A-45C3-98CE-8645D5A252DE}" type="datetimeFigureOut">
               <a:rPr lang="de-CH" smtClean="0"/>
-              <a:t>01.12.2016</a:t>
+              <a:t>01.12.16</a:t>
             </a:fld>
             <a:endParaRPr lang="de-CH"/>
           </a:p>
@@ -1721,7 +2368,7 @@
           <a:p>
             <a:fld id="{4681F75E-962A-45C3-98CE-8645D5A252DE}" type="datetimeFigureOut">
               <a:rPr lang="de-CH" smtClean="0"/>
-              <a:t>01.12.2016</a:t>
+              <a:t>01.12.16</a:t>
             </a:fld>
             <a:endParaRPr lang="de-CH"/>
           </a:p>
@@ -1816,7 +2463,7 @@
           <a:p>
             <a:fld id="{4681F75E-962A-45C3-98CE-8645D5A252DE}" type="datetimeFigureOut">
               <a:rPr lang="de-CH" smtClean="0"/>
-              <a:t>01.12.2016</a:t>
+              <a:t>01.12.16</a:t>
             </a:fld>
             <a:endParaRPr lang="de-CH"/>
           </a:p>
@@ -2093,7 +2740,7 @@
           <a:p>
             <a:fld id="{4681F75E-962A-45C3-98CE-8645D5A252DE}" type="datetimeFigureOut">
               <a:rPr lang="de-CH" smtClean="0"/>
-              <a:t>01.12.2016</a:t>
+              <a:t>01.12.16</a:t>
             </a:fld>
             <a:endParaRPr lang="de-CH"/>
           </a:p>
@@ -2346,7 +2993,7 @@
           <a:p>
             <a:fld id="{4681F75E-962A-45C3-98CE-8645D5A252DE}" type="datetimeFigureOut">
               <a:rPr lang="de-CH" smtClean="0"/>
-              <a:t>01.12.2016</a:t>
+              <a:t>01.12.16</a:t>
             </a:fld>
             <a:endParaRPr lang="de-CH"/>
           </a:p>
@@ -2559,7 +3206,7 @@
           <a:p>
             <a:fld id="{4681F75E-962A-45C3-98CE-8645D5A252DE}" type="datetimeFigureOut">
               <a:rPr lang="de-CH" smtClean="0"/>
-              <a:t>01.12.2016</a:t>
+              <a:t>01.12.16</a:t>
             </a:fld>
             <a:endParaRPr lang="de-CH"/>
           </a:p>
@@ -2663,6 +3310,7 @@
     <p:sldLayoutId id="2147483657" r:id="rId9"/>
     <p:sldLayoutId id="2147483658" r:id="rId10"/>
     <p:sldLayoutId id="2147483659" r:id="rId11"/>
+    <p:sldLayoutId id="2147483660" r:id="rId12"/>
   </p:sldLayoutIdLst>
   <p:txStyles>
     <p:titleStyle>
@@ -2948,6 +3596,111 @@
 </file>
 
 <file path=ppt/slides/slide1.xml><?xml version="1.0" encoding="utf-8"?>
+<p:sld xmlns:a="http://schemas.openxmlformats.org/drawingml/2006/main" xmlns:r="http://schemas.openxmlformats.org/officeDocument/2006/relationships" xmlns:p="http://schemas.openxmlformats.org/presentationml/2006/main">
+  <p:cSld>
+    <p:spTree>
+      <p:nvGrpSpPr>
+        <p:cNvPr id="1" name=""/>
+        <p:cNvGrpSpPr/>
+        <p:nvPr/>
+      </p:nvGrpSpPr>
+      <p:grpSpPr>
+        <a:xfrm>
+          <a:off x="0" y="0"/>
+          <a:ext cx="0" cy="0"/>
+          <a:chOff x="0" y="0"/>
+          <a:chExt cx="0" cy="0"/>
+        </a:xfrm>
+      </p:grpSpPr>
+      <p:sp>
+        <p:nvSpPr>
+          <p:cNvPr id="2" name="Titel 1"/>
+          <p:cNvSpPr>
+            <a:spLocks noGrp="1"/>
+          </p:cNvSpPr>
+          <p:nvPr>
+            <p:ph type="ctrTitle"/>
+          </p:nvPr>
+        </p:nvSpPr>
+        <p:spPr/>
+        <p:txBody>
+          <a:bodyPr/>
+          <a:lstStyle/>
+          <a:p>
+            <a:r>
+              <a:rPr lang="de-CH" dirty="0"/>
+              <a:t>CS1 – </a:t>
+            </a:r>
+            <a:r>
+              <a:rPr lang="de-CH" dirty="0" smtClean="0"/>
+              <a:t>Task9</a:t>
+            </a:r>
+            <a:endParaRPr lang="de-CH" dirty="0"/>
+          </a:p>
+        </p:txBody>
+      </p:sp>
+      <p:sp>
+        <p:nvSpPr>
+          <p:cNvPr id="3" name="Untertitel 2"/>
+          <p:cNvSpPr>
+            <a:spLocks noGrp="1"/>
+          </p:cNvSpPr>
+          <p:nvPr>
+            <p:ph type="subTitle" idx="1"/>
+          </p:nvPr>
+        </p:nvSpPr>
+        <p:spPr/>
+        <p:txBody>
+          <a:bodyPr/>
+          <a:lstStyle/>
+          <a:p>
+            <a:r>
+              <a:rPr lang="de-CH" dirty="0"/>
+              <a:t>Team Rot</a:t>
+            </a:r>
+          </a:p>
+        </p:txBody>
+      </p:sp>
+      <p:sp>
+        <p:nvSpPr>
+          <p:cNvPr id="4" name="Textplatzhalter 3"/>
+          <p:cNvSpPr>
+            <a:spLocks noGrp="1"/>
+          </p:cNvSpPr>
+          <p:nvPr>
+            <p:ph type="body" sz="quarter" idx="13"/>
+          </p:nvPr>
+        </p:nvSpPr>
+        <p:spPr/>
+        <p:txBody>
+          <a:bodyPr/>
+          <a:lstStyle/>
+          <a:p>
+            <a:endParaRPr lang="de-CH"/>
+          </a:p>
+        </p:txBody>
+      </p:sp>
+    </p:spTree>
+    <p:extLst>
+      <p:ext uri="{BB962C8B-B14F-4D97-AF65-F5344CB8AC3E}">
+        <p14:creationId xmlns:p14="http://schemas.microsoft.com/office/powerpoint/2010/main" val="1223080136"/>
+      </p:ext>
+    </p:extLst>
+  </p:cSld>
+  <p:clrMapOvr>
+    <a:masterClrMapping/>
+  </p:clrMapOvr>
+  <p:timing>
+    <p:tnLst>
+      <p:par>
+        <p:cTn id="1" dur="indefinite" restart="never" nodeType="tmRoot"/>
+      </p:par>
+    </p:tnLst>
+  </p:timing>
+</p:sld>
+</file>
+
+<file path=ppt/slides/slide2.xml><?xml version="1.0" encoding="utf-8"?>
 <p:sld xmlns:a="http://schemas.openxmlformats.org/drawingml/2006/main" xmlns:r="http://schemas.openxmlformats.org/officeDocument/2006/relationships" xmlns:p="http://schemas.openxmlformats.org/presentationml/2006/main">
   <p:cSld>
     <p:spTree>

--- a/doc/task9/Softwarearchitecture.pptx
+++ b/doc/task9/Softwarearchitecture.pptx
@@ -7,6 +7,8 @@
   <p:sldIdLst>
     <p:sldId id="257" r:id="rId2"/>
     <p:sldId id="256" r:id="rId3"/>
+    <p:sldId id="258" r:id="rId4"/>
+    <p:sldId id="259" r:id="rId5"/>
   </p:sldIdLst>
   <p:sldSz cx="12192000" cy="6858000"/>
   <p:notesSz cx="6858000" cy="9144000"/>
@@ -244,7 +246,7 @@
           <a:p>
             <a:fld id="{4681F75E-962A-45C3-98CE-8645D5A252DE}" type="datetimeFigureOut">
               <a:rPr lang="de-CH" smtClean="0"/>
-              <a:t>01.12.16</a:t>
+              <a:t>01.12.2016</a:t>
             </a:fld>
             <a:endParaRPr lang="de-CH"/>
           </a:p>
@@ -414,7 +416,7 @@
           <a:p>
             <a:fld id="{4681F75E-962A-45C3-98CE-8645D5A252DE}" type="datetimeFigureOut">
               <a:rPr lang="de-CH" smtClean="0"/>
-              <a:t>01.12.16</a:t>
+              <a:t>01.12.2016</a:t>
             </a:fld>
             <a:endParaRPr lang="de-CH"/>
           </a:p>
@@ -594,7 +596,7 @@
           <a:p>
             <a:fld id="{4681F75E-962A-45C3-98CE-8645D5A252DE}" type="datetimeFigureOut">
               <a:rPr lang="de-CH" smtClean="0"/>
-              <a:t>01.12.16</a:t>
+              <a:t>01.12.2016</a:t>
             </a:fld>
             <a:endParaRPr lang="de-CH"/>
           </a:p>
@@ -916,7 +918,7 @@
           <p:nvPr/>
         </p:nvPicPr>
         <p:blipFill>
-          <a:blip r:embed="rId2">
+          <a:blip r:embed="rId2" cstate="print">
             <a:extLst>
               <a:ext uri="{28A0092B-C50C-407E-A947-70E740481C1C}">
                 <a14:useLocalDpi xmlns:a14="http://schemas.microsoft.com/office/drawing/2010/main" val="0"/>
@@ -1296,6 +1298,394 @@
 </p:sldLayout>
 </file>
 
+<file path=ppt/slideLayouts/slideLayout13.xml><?xml version="1.0" encoding="utf-8"?>
+<p:sldLayout xmlns:a="http://schemas.openxmlformats.org/drawingml/2006/main" xmlns:r="http://schemas.openxmlformats.org/officeDocument/2006/relationships" xmlns:p="http://schemas.openxmlformats.org/presentationml/2006/main" userDrawn="1">
+  <p:cSld name="Kapiteltrennseite grau">
+    <p:spTree>
+      <p:nvGrpSpPr>
+        <p:cNvPr id="1" name=""/>
+        <p:cNvGrpSpPr/>
+        <p:nvPr/>
+      </p:nvGrpSpPr>
+      <p:grpSpPr>
+        <a:xfrm>
+          <a:off x="0" y="0"/>
+          <a:ext cx="0" cy="0"/>
+          <a:chOff x="0" y="0"/>
+          <a:chExt cx="0" cy="0"/>
+        </a:xfrm>
+      </p:grpSpPr>
+      <p:sp>
+        <p:nvSpPr>
+          <p:cNvPr id="4" name="Abgerundetes Rechteck 3"/>
+          <p:cNvSpPr/>
+          <p:nvPr/>
+        </p:nvSpPr>
+        <p:spPr>
+          <a:xfrm>
+            <a:off x="1" y="1668463"/>
+            <a:ext cx="9359900" cy="2881312"/>
+          </a:xfrm>
+          <a:prstGeom prst="roundRect">
+            <a:avLst>
+              <a:gd name="adj" fmla="val 1188"/>
+            </a:avLst>
+          </a:prstGeom>
+          <a:solidFill>
+            <a:srgbClr val="697D91"/>
+          </a:solidFill>
+          <a:ln>
+            <a:noFill/>
+          </a:ln>
+          <a:effectLst/>
+        </p:spPr>
+        <p:style>
+          <a:lnRef idx="1">
+            <a:schemeClr val="accent1"/>
+          </a:lnRef>
+          <a:fillRef idx="3">
+            <a:schemeClr val="accent1"/>
+          </a:fillRef>
+          <a:effectRef idx="2">
+            <a:schemeClr val="accent1"/>
+          </a:effectRef>
+          <a:fontRef idx="minor">
+            <a:schemeClr val="lt1"/>
+          </a:fontRef>
+        </p:style>
+        <p:txBody>
+          <a:bodyPr anchor="ctr"/>
+          <a:lstStyle/>
+          <a:p>
+            <a:pPr algn="ctr" fontAlgn="auto">
+              <a:spcBef>
+                <a:spcPts val="0"/>
+              </a:spcBef>
+              <a:spcAft>
+                <a:spcPts val="0"/>
+              </a:spcAft>
+              <a:defRPr/>
+            </a:pPr>
+            <a:endParaRPr lang="de-DE" sz="1800">
+              <a:solidFill>
+                <a:srgbClr val="697D91"/>
+              </a:solidFill>
+            </a:endParaRPr>
+          </a:p>
+        </p:txBody>
+      </p:sp>
+      <p:sp>
+        <p:nvSpPr>
+          <p:cNvPr id="5" name="Abgerundetes Rechteck 4"/>
+          <p:cNvSpPr/>
+          <p:nvPr/>
+        </p:nvSpPr>
+        <p:spPr>
+          <a:xfrm>
+            <a:off x="1" y="1633539"/>
+            <a:ext cx="9359900" cy="71437"/>
+          </a:xfrm>
+          <a:prstGeom prst="roundRect">
+            <a:avLst/>
+          </a:prstGeom>
+          <a:solidFill>
+            <a:srgbClr val="FAA500"/>
+          </a:solidFill>
+          <a:ln>
+            <a:noFill/>
+          </a:ln>
+          <a:effectLst/>
+        </p:spPr>
+        <p:style>
+          <a:lnRef idx="1">
+            <a:schemeClr val="accent1"/>
+          </a:lnRef>
+          <a:fillRef idx="3">
+            <a:schemeClr val="accent1"/>
+          </a:fillRef>
+          <a:effectRef idx="2">
+            <a:schemeClr val="accent1"/>
+          </a:effectRef>
+          <a:fontRef idx="minor">
+            <a:schemeClr val="lt1"/>
+          </a:fontRef>
+        </p:style>
+        <p:txBody>
+          <a:bodyPr anchor="ctr"/>
+          <a:lstStyle/>
+          <a:p>
+            <a:pPr algn="ctr" fontAlgn="auto">
+              <a:spcBef>
+                <a:spcPts val="0"/>
+              </a:spcBef>
+              <a:spcAft>
+                <a:spcPts val="0"/>
+              </a:spcAft>
+              <a:defRPr/>
+            </a:pPr>
+            <a:endParaRPr lang="de-DE" sz="1800">
+              <a:solidFill>
+                <a:srgbClr val="E78E23"/>
+              </a:solidFill>
+            </a:endParaRPr>
+          </a:p>
+        </p:txBody>
+      </p:sp>
+      <p:sp>
+        <p:nvSpPr>
+          <p:cNvPr id="6" name="Abgerundetes Rechteck 5"/>
+          <p:cNvSpPr/>
+          <p:nvPr/>
+        </p:nvSpPr>
+        <p:spPr>
+          <a:xfrm>
+            <a:off x="1" y="4513264"/>
+            <a:ext cx="9359900" cy="71437"/>
+          </a:xfrm>
+          <a:prstGeom prst="roundRect">
+            <a:avLst/>
+          </a:prstGeom>
+          <a:solidFill>
+            <a:srgbClr val="FAA500"/>
+          </a:solidFill>
+          <a:ln>
+            <a:noFill/>
+          </a:ln>
+          <a:effectLst/>
+        </p:spPr>
+        <p:style>
+          <a:lnRef idx="1">
+            <a:schemeClr val="accent1"/>
+          </a:lnRef>
+          <a:fillRef idx="3">
+            <a:schemeClr val="accent1"/>
+          </a:fillRef>
+          <a:effectRef idx="2">
+            <a:schemeClr val="accent1"/>
+          </a:effectRef>
+          <a:fontRef idx="minor">
+            <a:schemeClr val="lt1"/>
+          </a:fontRef>
+        </p:style>
+        <p:txBody>
+          <a:bodyPr anchor="ctr"/>
+          <a:lstStyle/>
+          <a:p>
+            <a:pPr algn="ctr" fontAlgn="auto">
+              <a:spcBef>
+                <a:spcPts val="0"/>
+              </a:spcBef>
+              <a:spcAft>
+                <a:spcPts val="0"/>
+              </a:spcAft>
+              <a:defRPr/>
+            </a:pPr>
+            <a:endParaRPr lang="de-DE" sz="1800">
+              <a:solidFill>
+                <a:srgbClr val="E78E23"/>
+              </a:solidFill>
+            </a:endParaRPr>
+          </a:p>
+        </p:txBody>
+      </p:sp>
+      <p:sp>
+        <p:nvSpPr>
+          <p:cNvPr id="15" name="Titel 1"/>
+          <p:cNvSpPr>
+            <a:spLocks noGrp="1"/>
+          </p:cNvSpPr>
+          <p:nvPr>
+            <p:ph type="ctrTitle" hasCustomPrompt="1"/>
+          </p:nvPr>
+        </p:nvSpPr>
+        <p:spPr>
+          <a:xfrm>
+            <a:off x="624000" y="1839809"/>
+            <a:ext cx="8685179" cy="533105"/>
+          </a:xfrm>
+          <a:prstGeom prst="rect">
+            <a:avLst/>
+          </a:prstGeom>
+        </p:spPr>
+        <p:txBody>
+          <a:bodyPr lIns="0" rIns="0"/>
+          <a:lstStyle>
+            <a:lvl1pPr algn="l">
+              <a:defRPr sz="2600">
+                <a:solidFill>
+                  <a:schemeClr val="bg1"/>
+                </a:solidFill>
+                <a:latin typeface="Lucida Sans"/>
+                <a:cs typeface="Lucida Sans Unicode"/>
+              </a:defRPr>
+            </a:lvl1pPr>
+          </a:lstStyle>
+          <a:p>
+            <a:r>
+              <a:rPr lang="de-DE" dirty="0"/>
+              <a:t>Kapiteltrennseite grau</a:t>
+            </a:r>
+          </a:p>
+        </p:txBody>
+      </p:sp>
+      <p:sp>
+        <p:nvSpPr>
+          <p:cNvPr id="16" name="Untertitel 2"/>
+          <p:cNvSpPr>
+            <a:spLocks noGrp="1"/>
+          </p:cNvSpPr>
+          <p:nvPr>
+            <p:ph type="subTitle" idx="1"/>
+          </p:nvPr>
+        </p:nvSpPr>
+        <p:spPr>
+          <a:xfrm>
+            <a:off x="624000" y="2372913"/>
+            <a:ext cx="8685179" cy="805526"/>
+          </a:xfrm>
+          <a:prstGeom prst="rect">
+            <a:avLst/>
+          </a:prstGeom>
+        </p:spPr>
+        <p:txBody>
+          <a:bodyPr lIns="0"/>
+          <a:lstStyle>
+            <a:lvl1pPr marL="0" indent="0" algn="l">
+              <a:buNone/>
+              <a:defRPr sz="1600" spc="0">
+                <a:solidFill>
+                  <a:schemeClr val="bg1"/>
+                </a:solidFill>
+                <a:latin typeface="Lucida Sans"/>
+                <a:cs typeface="Lucida Sans Unicode"/>
+              </a:defRPr>
+            </a:lvl1pPr>
+            <a:lvl2pPr marL="457200" indent="0" algn="ctr">
+              <a:buNone/>
+              <a:defRPr>
+                <a:solidFill>
+                  <a:schemeClr val="tx1">
+                    <a:tint val="75000"/>
+                  </a:schemeClr>
+                </a:solidFill>
+              </a:defRPr>
+            </a:lvl2pPr>
+            <a:lvl3pPr marL="914400" indent="0" algn="ctr">
+              <a:buNone/>
+              <a:defRPr>
+                <a:solidFill>
+                  <a:schemeClr val="tx1">
+                    <a:tint val="75000"/>
+                  </a:schemeClr>
+                </a:solidFill>
+              </a:defRPr>
+            </a:lvl3pPr>
+            <a:lvl4pPr marL="1371600" indent="0" algn="ctr">
+              <a:buNone/>
+              <a:defRPr>
+                <a:solidFill>
+                  <a:schemeClr val="tx1">
+                    <a:tint val="75000"/>
+                  </a:schemeClr>
+                </a:solidFill>
+              </a:defRPr>
+            </a:lvl4pPr>
+            <a:lvl5pPr marL="1828800" indent="0" algn="ctr">
+              <a:buNone/>
+              <a:defRPr>
+                <a:solidFill>
+                  <a:schemeClr val="tx1">
+                    <a:tint val="75000"/>
+                  </a:schemeClr>
+                </a:solidFill>
+              </a:defRPr>
+            </a:lvl5pPr>
+            <a:lvl6pPr marL="2286000" indent="0" algn="ctr">
+              <a:buNone/>
+              <a:defRPr>
+                <a:solidFill>
+                  <a:schemeClr val="tx1">
+                    <a:tint val="75000"/>
+                  </a:schemeClr>
+                </a:solidFill>
+              </a:defRPr>
+            </a:lvl6pPr>
+            <a:lvl7pPr marL="2743200" indent="0" algn="ctr">
+              <a:buNone/>
+              <a:defRPr>
+                <a:solidFill>
+                  <a:schemeClr val="tx1">
+                    <a:tint val="75000"/>
+                  </a:schemeClr>
+                </a:solidFill>
+              </a:defRPr>
+            </a:lvl7pPr>
+            <a:lvl8pPr marL="3200400" indent="0" algn="ctr">
+              <a:buNone/>
+              <a:defRPr>
+                <a:solidFill>
+                  <a:schemeClr val="tx1">
+                    <a:tint val="75000"/>
+                  </a:schemeClr>
+                </a:solidFill>
+              </a:defRPr>
+            </a:lvl8pPr>
+            <a:lvl9pPr marL="3657600" indent="0" algn="ctr">
+              <a:buNone/>
+              <a:defRPr>
+                <a:solidFill>
+                  <a:schemeClr val="tx1">
+                    <a:tint val="75000"/>
+                  </a:schemeClr>
+                </a:solidFill>
+              </a:defRPr>
+            </a:lvl9pPr>
+          </a:lstStyle>
+          <a:p>
+            <a:r>
+              <a:rPr lang="de-DE"/>
+              <a:t>Formatvorlage des Untertitelmasters durch Klicken bearbeiten</a:t>
+            </a:r>
+            <a:endParaRPr lang="de-DE" dirty="0"/>
+          </a:p>
+        </p:txBody>
+      </p:sp>
+      <p:sp>
+        <p:nvSpPr>
+          <p:cNvPr id="2" name="Foliennummernplatzhalter 1"/>
+          <p:cNvSpPr>
+            <a:spLocks noGrp="1"/>
+          </p:cNvSpPr>
+          <p:nvPr>
+            <p:ph type="sldNum" sz="quarter" idx="10"/>
+          </p:nvPr>
+        </p:nvSpPr>
+        <p:spPr/>
+        <p:txBody>
+          <a:bodyPr/>
+          <a:lstStyle/>
+          <a:p>
+            <a:fld id="{F19AE9A8-34D4-4E8C-BE9C-13C550F1BED0}" type="slidenum">
+              <a:rPr lang="de-CH" smtClean="0"/>
+              <a:t>‹Nr.›</a:t>
+            </a:fld>
+            <a:endParaRPr lang="de-CH" dirty="0"/>
+          </a:p>
+        </p:txBody>
+      </p:sp>
+    </p:spTree>
+    <p:extLst>
+      <p:ext uri="{BB962C8B-B14F-4D97-AF65-F5344CB8AC3E}">
+        <p14:creationId xmlns:p14="http://schemas.microsoft.com/office/powerpoint/2010/main" val="3283919152"/>
+      </p:ext>
+    </p:extLst>
+  </p:cSld>
+  <p:clrMapOvr>
+    <a:masterClrMapping/>
+  </p:clrMapOvr>
+</p:sldLayout>
+</file>
+
 <file path=ppt/slideLayouts/slideLayout2.xml><?xml version="1.0" encoding="utf-8"?>
 <p:sldLayout xmlns:a="http://schemas.openxmlformats.org/drawingml/2006/main" xmlns:r="http://schemas.openxmlformats.org/officeDocument/2006/relationships" xmlns:p="http://schemas.openxmlformats.org/presentationml/2006/main" type="obj" preserve="1">
   <p:cSld name="Titel und Inhalt">
@@ -1405,7 +1795,7 @@
           <a:p>
             <a:fld id="{4681F75E-962A-45C3-98CE-8645D5A252DE}" type="datetimeFigureOut">
               <a:rPr lang="de-CH" smtClean="0"/>
-              <a:t>01.12.16</a:t>
+              <a:t>01.12.2016</a:t>
             </a:fld>
             <a:endParaRPr lang="de-CH"/>
           </a:p>
@@ -1651,7 +2041,7 @@
           <a:p>
             <a:fld id="{4681F75E-962A-45C3-98CE-8645D5A252DE}" type="datetimeFigureOut">
               <a:rPr lang="de-CH" smtClean="0"/>
-              <a:t>01.12.16</a:t>
+              <a:t>01.12.2016</a:t>
             </a:fld>
             <a:endParaRPr lang="de-CH"/>
           </a:p>
@@ -1883,7 +2273,7 @@
           <a:p>
             <a:fld id="{4681F75E-962A-45C3-98CE-8645D5A252DE}" type="datetimeFigureOut">
               <a:rPr lang="de-CH" smtClean="0"/>
-              <a:t>01.12.16</a:t>
+              <a:t>01.12.2016</a:t>
             </a:fld>
             <a:endParaRPr lang="de-CH"/>
           </a:p>
@@ -2250,7 +2640,7 @@
           <a:p>
             <a:fld id="{4681F75E-962A-45C3-98CE-8645D5A252DE}" type="datetimeFigureOut">
               <a:rPr lang="de-CH" smtClean="0"/>
-              <a:t>01.12.16</a:t>
+              <a:t>01.12.2016</a:t>
             </a:fld>
             <a:endParaRPr lang="de-CH"/>
           </a:p>
@@ -2368,7 +2758,7 @@
           <a:p>
             <a:fld id="{4681F75E-962A-45C3-98CE-8645D5A252DE}" type="datetimeFigureOut">
               <a:rPr lang="de-CH" smtClean="0"/>
-              <a:t>01.12.16</a:t>
+              <a:t>01.12.2016</a:t>
             </a:fld>
             <a:endParaRPr lang="de-CH"/>
           </a:p>
@@ -2463,7 +2853,7 @@
           <a:p>
             <a:fld id="{4681F75E-962A-45C3-98CE-8645D5A252DE}" type="datetimeFigureOut">
               <a:rPr lang="de-CH" smtClean="0"/>
-              <a:t>01.12.16</a:t>
+              <a:t>01.12.2016</a:t>
             </a:fld>
             <a:endParaRPr lang="de-CH"/>
           </a:p>
@@ -2740,7 +3130,7 @@
           <a:p>
             <a:fld id="{4681F75E-962A-45C3-98CE-8645D5A252DE}" type="datetimeFigureOut">
               <a:rPr lang="de-CH" smtClean="0"/>
-              <a:t>01.12.16</a:t>
+              <a:t>01.12.2016</a:t>
             </a:fld>
             <a:endParaRPr lang="de-CH"/>
           </a:p>
@@ -2993,7 +3383,7 @@
           <a:p>
             <a:fld id="{4681F75E-962A-45C3-98CE-8645D5A252DE}" type="datetimeFigureOut">
               <a:rPr lang="de-CH" smtClean="0"/>
-              <a:t>01.12.16</a:t>
+              <a:t>01.12.2016</a:t>
             </a:fld>
             <a:endParaRPr lang="de-CH"/>
           </a:p>
@@ -3206,7 +3596,7 @@
           <a:p>
             <a:fld id="{4681F75E-962A-45C3-98CE-8645D5A252DE}" type="datetimeFigureOut">
               <a:rPr lang="de-CH" smtClean="0"/>
-              <a:t>01.12.16</a:t>
+              <a:t>01.12.2016</a:t>
             </a:fld>
             <a:endParaRPr lang="de-CH"/>
           </a:p>
@@ -3311,6 +3701,7 @@
     <p:sldLayoutId id="2147483658" r:id="rId10"/>
     <p:sldLayoutId id="2147483659" r:id="rId11"/>
     <p:sldLayoutId id="2147483660" r:id="rId12"/>
+    <p:sldLayoutId id="2147483661" r:id="rId13"/>
   </p:sldLayoutIdLst>
   <p:txStyles>
     <p:titleStyle>
@@ -3729,7 +4120,7 @@
         </p:nvSpPr>
         <p:spPr>
           <a:xfrm>
-            <a:off x="788323" y="739833"/>
+            <a:off x="788323" y="1720718"/>
             <a:ext cx="1306484" cy="698904"/>
           </a:xfrm>
         </p:spPr>
@@ -3758,7 +4149,7 @@
         </p:nvSpPr>
         <p:spPr>
           <a:xfrm>
-            <a:off x="671945" y="3042458"/>
+            <a:off x="671945" y="3491339"/>
             <a:ext cx="1539240" cy="698904"/>
           </a:xfrm>
           <a:prstGeom prst="rect">
@@ -3806,14 +4197,17 @@
         </p:nvSpPr>
         <p:spPr>
           <a:xfrm>
-            <a:off x="3857101" y="3741362"/>
+            <a:off x="3857101" y="4190243"/>
             <a:ext cx="3674225" cy="664383"/>
           </a:xfrm>
           <a:prstGeom prst="rect">
             <a:avLst/>
           </a:prstGeom>
           <a:solidFill>
-            <a:srgbClr val="FF5B5B"/>
+            <a:schemeClr val="accent1">
+              <a:lumMod val="60000"/>
+              <a:lumOff val="40000"/>
+            </a:schemeClr>
           </a:solidFill>
         </p:spPr>
         <p:style>
@@ -3838,14 +4232,26 @@
           <a:p>
             <a:pPr algn="ctr"/>
             <a:r>
-              <a:rPr lang="de-CH" dirty="0" err="1" smtClean="0"/>
+              <a:rPr lang="de-CH" dirty="0" err="1" smtClean="0">
+                <a:solidFill>
+                  <a:sysClr val="windowText" lastClr="000000"/>
+                </a:solidFill>
+              </a:rPr>
               <a:t>Vaadin</a:t>
             </a:r>
             <a:r>
-              <a:rPr lang="de-CH" dirty="0" smtClean="0"/>
+              <a:rPr lang="de-CH" dirty="0" smtClean="0">
+                <a:solidFill>
+                  <a:sysClr val="windowText" lastClr="000000"/>
+                </a:solidFill>
+              </a:rPr>
               <a:t> UI</a:t>
             </a:r>
-            <a:endParaRPr lang="de-CH" dirty="0"/>
+            <a:endParaRPr lang="de-CH" dirty="0">
+              <a:solidFill>
+                <a:sysClr val="windowText" lastClr="000000"/>
+              </a:solidFill>
+            </a:endParaRPr>
           </a:p>
         </p:txBody>
       </p:sp>
@@ -3857,14 +4263,14 @@
         </p:nvSpPr>
         <p:spPr>
           <a:xfrm>
-            <a:off x="3857103" y="4680701"/>
+            <a:off x="3857103" y="5129582"/>
             <a:ext cx="3674225" cy="664383"/>
           </a:xfrm>
           <a:prstGeom prst="rect">
             <a:avLst/>
           </a:prstGeom>
           <a:solidFill>
-            <a:srgbClr val="FF5B5B"/>
+            <a:srgbClr val="FFC000"/>
           </a:solidFill>
         </p:spPr>
         <p:style>
@@ -3889,10 +4295,18 @@
           <a:p>
             <a:pPr algn="ctr"/>
             <a:r>
-              <a:rPr lang="de-CH" dirty="0" smtClean="0"/>
+              <a:rPr lang="de-CH" dirty="0" smtClean="0">
+                <a:solidFill>
+                  <a:sysClr val="windowText" lastClr="000000"/>
+                </a:solidFill>
+              </a:rPr>
               <a:t>Health-Monitor</a:t>
             </a:r>
-            <a:endParaRPr lang="de-CH" dirty="0"/>
+            <a:endParaRPr lang="de-CH" dirty="0">
+              <a:solidFill>
+                <a:sysClr val="windowText" lastClr="000000"/>
+              </a:solidFill>
+            </a:endParaRPr>
           </a:p>
         </p:txBody>
       </p:sp>
@@ -3904,14 +4318,14 @@
         </p:nvSpPr>
         <p:spPr>
           <a:xfrm>
-            <a:off x="3857104" y="739833"/>
+            <a:off x="3857104" y="1720718"/>
             <a:ext cx="3674225" cy="664383"/>
           </a:xfrm>
           <a:prstGeom prst="rect">
             <a:avLst/>
           </a:prstGeom>
           <a:solidFill>
-            <a:srgbClr val="FF5B5B"/>
+            <a:schemeClr val="tx1"/>
           </a:solidFill>
         </p:spPr>
         <p:style>
@@ -3936,25 +4350,49 @@
           <a:p>
             <a:pPr algn="ctr"/>
             <a:r>
-              <a:rPr lang="de-CH" dirty="0" smtClean="0"/>
+              <a:rPr lang="de-CH" dirty="0" smtClean="0">
+                <a:solidFill>
+                  <a:schemeClr val="bg1"/>
+                </a:solidFill>
+              </a:rPr>
               <a:t>Webbrowser</a:t>
             </a:r>
             <a:br>
-              <a:rPr lang="de-CH" dirty="0" smtClean="0"/>
+              <a:rPr lang="de-CH" dirty="0" smtClean="0">
+                <a:solidFill>
+                  <a:schemeClr val="bg1"/>
+                </a:solidFill>
+              </a:rPr>
             </a:br>
             <a:r>
-              <a:rPr lang="de-CH" dirty="0" smtClean="0"/>
+              <a:rPr lang="de-CH" dirty="0" smtClean="0">
+                <a:solidFill>
+                  <a:schemeClr val="bg1"/>
+                </a:solidFill>
+              </a:rPr>
               <a:t>(CSS, </a:t>
             </a:r>
             <a:r>
-              <a:rPr lang="de-CH" dirty="0" err="1" smtClean="0"/>
+              <a:rPr lang="de-CH" dirty="0" err="1" smtClean="0">
+                <a:solidFill>
+                  <a:schemeClr val="bg1"/>
+                </a:solidFill>
+              </a:rPr>
               <a:t>Javascript</a:t>
             </a:r>
             <a:r>
-              <a:rPr lang="de-CH" dirty="0" smtClean="0"/>
+              <a:rPr lang="de-CH" dirty="0" smtClean="0">
+                <a:solidFill>
+                  <a:schemeClr val="bg1"/>
+                </a:solidFill>
+              </a:rPr>
               <a:t>, PDF)</a:t>
             </a:r>
-            <a:endParaRPr lang="de-CH" dirty="0"/>
+            <a:endParaRPr lang="de-CH" dirty="0">
+              <a:solidFill>
+                <a:schemeClr val="bg1"/>
+              </a:solidFill>
+            </a:endParaRPr>
           </a:p>
         </p:txBody>
       </p:sp>
@@ -3966,14 +4404,14 @@
         </p:nvSpPr>
         <p:spPr>
           <a:xfrm>
-            <a:off x="3857103" y="2710267"/>
+            <a:off x="3857103" y="3159148"/>
             <a:ext cx="3674225" cy="664383"/>
           </a:xfrm>
           <a:prstGeom prst="rect">
             <a:avLst/>
           </a:prstGeom>
           <a:solidFill>
-            <a:srgbClr val="FF5B5B"/>
+            <a:srgbClr val="DAD8D8"/>
           </a:solidFill>
         </p:spPr>
         <p:style>
@@ -3998,18 +4436,34 @@
           <a:p>
             <a:pPr algn="ctr"/>
             <a:r>
-              <a:rPr lang="de-CH" dirty="0" err="1" smtClean="0"/>
+              <a:rPr lang="de-CH" dirty="0" err="1" smtClean="0">
+                <a:solidFill>
+                  <a:sysClr val="windowText" lastClr="000000"/>
+                </a:solidFill>
+              </a:rPr>
               <a:t>Jetty</a:t>
             </a:r>
             <a:r>
-              <a:rPr lang="de-CH" dirty="0" smtClean="0"/>
+              <a:rPr lang="de-CH" dirty="0" smtClean="0">
+                <a:solidFill>
+                  <a:sysClr val="windowText" lastClr="000000"/>
+                </a:solidFill>
+              </a:rPr>
               <a:t> </a:t>
             </a:r>
             <a:r>
-              <a:rPr lang="de-CH" dirty="0" err="1" smtClean="0"/>
+              <a:rPr lang="de-CH" dirty="0" err="1" smtClean="0">
+                <a:solidFill>
+                  <a:sysClr val="windowText" lastClr="000000"/>
+                </a:solidFill>
+              </a:rPr>
               <a:t>WebAppserver</a:t>
             </a:r>
-            <a:endParaRPr lang="de-CH" dirty="0"/>
+            <a:endParaRPr lang="de-CH" dirty="0">
+              <a:solidFill>
+                <a:sysClr val="windowText" lastClr="000000"/>
+              </a:solidFill>
+            </a:endParaRPr>
           </a:p>
         </p:txBody>
       </p:sp>
@@ -4021,14 +4475,14 @@
         </p:nvSpPr>
         <p:spPr>
           <a:xfrm>
-            <a:off x="3857102" y="5620040"/>
+            <a:off x="3857102" y="6068921"/>
             <a:ext cx="3674225" cy="664383"/>
           </a:xfrm>
           <a:prstGeom prst="rect">
             <a:avLst/>
           </a:prstGeom>
           <a:solidFill>
-            <a:srgbClr val="FF5B5B"/>
+            <a:srgbClr val="92D050"/>
           </a:solidFill>
         </p:spPr>
         <p:style>
@@ -4053,10 +4507,18 @@
           <a:p>
             <a:pPr algn="ctr"/>
             <a:r>
-              <a:rPr lang="de-CH" dirty="0" smtClean="0"/>
+              <a:rPr lang="de-CH" dirty="0" smtClean="0">
+                <a:solidFill>
+                  <a:sysClr val="windowText" lastClr="000000"/>
+                </a:solidFill>
+              </a:rPr>
               <a:t>DB</a:t>
             </a:r>
-            <a:endParaRPr lang="de-CH" dirty="0"/>
+            <a:endParaRPr lang="de-CH" dirty="0">
+              <a:solidFill>
+                <a:sysClr val="windowText" lastClr="000000"/>
+              </a:solidFill>
+            </a:endParaRPr>
           </a:p>
         </p:txBody>
       </p:sp>
@@ -4068,7 +4530,7 @@
         </p:nvCxnSpPr>
         <p:spPr>
           <a:xfrm flipV="1">
-            <a:off x="403412" y="1990165"/>
+            <a:off x="403412" y="2754921"/>
             <a:ext cx="11358282" cy="35859"/>
           </a:xfrm>
           <a:prstGeom prst="line">
@@ -4106,8 +4568,8 @@
         </p:nvCxnSpPr>
         <p:spPr>
           <a:xfrm flipH="1">
-            <a:off x="5694216" y="1404216"/>
-            <a:ext cx="1" cy="1306051"/>
+            <a:off x="5694216" y="2385101"/>
+            <a:ext cx="1" cy="774047"/>
           </a:xfrm>
           <a:prstGeom prst="straightConnector1">
             <a:avLst/>
@@ -4142,7 +4604,7 @@
         </p:nvCxnSpPr>
         <p:spPr>
           <a:xfrm flipH="1">
-            <a:off x="5694214" y="3374650"/>
+            <a:off x="5694214" y="3823531"/>
             <a:ext cx="2" cy="366712"/>
           </a:xfrm>
           <a:prstGeom prst="straightConnector1">
@@ -4175,7 +4637,7 @@
         </p:nvCxnSpPr>
         <p:spPr>
           <a:xfrm>
-            <a:off x="5694214" y="4313989"/>
+            <a:off x="5694214" y="4762870"/>
             <a:ext cx="0" cy="366712"/>
           </a:xfrm>
           <a:prstGeom prst="straightConnector1">
@@ -4211,7 +4673,7 @@
         </p:nvCxnSpPr>
         <p:spPr>
           <a:xfrm flipH="1">
-            <a:off x="5694215" y="5345084"/>
+            <a:off x="5694215" y="5793965"/>
             <a:ext cx="1" cy="274956"/>
           </a:xfrm>
           <a:prstGeom prst="straightConnector1">
@@ -4244,7 +4706,7 @@
         </p:nvSpPr>
         <p:spPr>
           <a:xfrm>
-            <a:off x="8278984" y="636917"/>
+            <a:off x="8278984" y="1617802"/>
             <a:ext cx="2706037" cy="868876"/>
           </a:xfrm>
           <a:prstGeom prst="rect">
@@ -4309,7 +4771,7 @@
         </p:nvCxnSpPr>
         <p:spPr>
           <a:xfrm flipH="1">
-            <a:off x="7531329" y="1071355"/>
+            <a:off x="7531329" y="2052240"/>
             <a:ext cx="747655" cy="670"/>
           </a:xfrm>
           <a:prstGeom prst="straightConnector1">
@@ -4334,6 +4796,67 @@
           </a:fontRef>
         </p:style>
       </p:cxnSp>
+      <p:sp>
+        <p:nvSpPr>
+          <p:cNvPr id="21" name="Titel 1"/>
+          <p:cNvSpPr txBox="1">
+            <a:spLocks/>
+          </p:cNvSpPr>
+          <p:nvPr/>
+        </p:nvSpPr>
+        <p:spPr>
+          <a:xfrm>
+            <a:off x="839788" y="365125"/>
+            <a:ext cx="10515600" cy="1325563"/>
+          </a:xfrm>
+          <a:prstGeom prst="rect">
+            <a:avLst/>
+          </a:prstGeom>
+        </p:spPr>
+        <p:txBody>
+          <a:bodyPr vert="horz" lIns="91440" tIns="45720" rIns="91440" bIns="45720" rtlCol="0" anchor="ctr">
+            <a:normAutofit/>
+          </a:bodyPr>
+          <a:lstStyle>
+            <a:lvl1pPr algn="l" defTabSz="914400" rtl="0" eaLnBrk="1" latinLnBrk="0" hangingPunct="1">
+              <a:lnSpc>
+                <a:spcPct val="90000"/>
+              </a:lnSpc>
+              <a:spcBef>
+                <a:spcPct val="0"/>
+              </a:spcBef>
+              <a:buNone/>
+              <a:defRPr sz="4400" kern="1200">
+                <a:solidFill>
+                  <a:schemeClr val="tx1"/>
+                </a:solidFill>
+                <a:latin typeface="+mj-lt"/>
+                <a:ea typeface="+mj-ea"/>
+                <a:cs typeface="+mj-cs"/>
+              </a:defRPr>
+            </a:lvl1pPr>
+          </a:lstStyle>
+          <a:p>
+            <a:r>
+              <a:rPr lang="de-CH" dirty="0" err="1" smtClean="0"/>
+              <a:t>Architectural</a:t>
+            </a:r>
+            <a:r>
+              <a:rPr lang="de-CH" dirty="0" smtClean="0"/>
+              <a:t> </a:t>
+            </a:r>
+            <a:r>
+              <a:rPr lang="de-CH" dirty="0"/>
+              <a:t>design </a:t>
+            </a:r>
+            <a:r>
+              <a:rPr lang="de-CH" dirty="0" err="1"/>
+              <a:t>patterns</a:t>
+            </a:r>
+            <a:endParaRPr lang="de-CH" dirty="0"/>
+          </a:p>
+        </p:txBody>
+      </p:sp>
     </p:spTree>
     <p:extLst>
       <p:ext uri="{BB962C8B-B14F-4D97-AF65-F5344CB8AC3E}">
@@ -4344,6 +4867,1333 @@
   <p:clrMapOvr>
     <a:masterClrMapping/>
   </p:clrMapOvr>
+  <p:timing>
+    <p:tnLst>
+      <p:par>
+        <p:cTn id="1" dur="indefinite" restart="never" nodeType="tmRoot"/>
+      </p:par>
+    </p:tnLst>
+  </p:timing>
+</p:sld>
+</file>
+
+<file path=ppt/slides/slide3.xml><?xml version="1.0" encoding="utf-8"?>
+<p:sld xmlns:a="http://schemas.openxmlformats.org/drawingml/2006/main" xmlns:r="http://schemas.openxmlformats.org/officeDocument/2006/relationships" xmlns:p="http://schemas.openxmlformats.org/presentationml/2006/main">
+  <p:cSld>
+    <p:spTree>
+      <p:nvGrpSpPr>
+        <p:cNvPr id="1" name=""/>
+        <p:cNvGrpSpPr/>
+        <p:nvPr/>
+      </p:nvGrpSpPr>
+      <p:grpSpPr>
+        <a:xfrm>
+          <a:off x="0" y="0"/>
+          <a:ext cx="0" cy="0"/>
+          <a:chOff x="0" y="0"/>
+          <a:chExt cx="0" cy="0"/>
+        </a:xfrm>
+      </p:grpSpPr>
+      <p:sp>
+        <p:nvSpPr>
+          <p:cNvPr id="9" name="Rechteck 8"/>
+          <p:cNvSpPr/>
+          <p:nvPr/>
+        </p:nvSpPr>
+        <p:spPr>
+          <a:xfrm>
+            <a:off x="853682" y="2255518"/>
+            <a:ext cx="1679173" cy="3979579"/>
+          </a:xfrm>
+          <a:prstGeom prst="rect">
+            <a:avLst/>
+          </a:prstGeom>
+          <a:solidFill>
+            <a:srgbClr val="FF5B5B"/>
+          </a:solidFill>
+        </p:spPr>
+        <p:style>
+          <a:lnRef idx="2">
+            <a:schemeClr val="accent1">
+              <a:shade val="50000"/>
+            </a:schemeClr>
+          </a:lnRef>
+          <a:fillRef idx="1">
+            <a:schemeClr val="accent1"/>
+          </a:fillRef>
+          <a:effectRef idx="0">
+            <a:schemeClr val="accent1"/>
+          </a:effectRef>
+          <a:fontRef idx="minor">
+            <a:schemeClr val="lt1"/>
+          </a:fontRef>
+        </p:style>
+        <p:txBody>
+          <a:bodyPr rtlCol="0" anchor="ctr"/>
+          <a:lstStyle/>
+          <a:p>
+            <a:pPr algn="ctr"/>
+            <a:r>
+              <a:rPr lang="de-CH" dirty="0" smtClean="0">
+                <a:solidFill>
+                  <a:schemeClr val="tx1"/>
+                </a:solidFill>
+              </a:rPr>
+              <a:t>Webbrowser</a:t>
+            </a:r>
+          </a:p>
+          <a:p>
+            <a:pPr algn="ctr"/>
+            <a:endParaRPr lang="de-CH" dirty="0">
+              <a:solidFill>
+                <a:schemeClr val="tx1"/>
+              </a:solidFill>
+            </a:endParaRPr>
+          </a:p>
+          <a:p>
+            <a:pPr algn="ctr"/>
+            <a:endParaRPr lang="de-CH" dirty="0" smtClean="0">
+              <a:solidFill>
+                <a:schemeClr val="tx1"/>
+              </a:solidFill>
+            </a:endParaRPr>
+          </a:p>
+          <a:p>
+            <a:pPr algn="ctr"/>
+            <a:endParaRPr lang="de-CH" dirty="0">
+              <a:solidFill>
+                <a:schemeClr val="tx1"/>
+              </a:solidFill>
+            </a:endParaRPr>
+          </a:p>
+          <a:p>
+            <a:pPr algn="ctr"/>
+            <a:endParaRPr lang="de-CH" dirty="0" smtClean="0">
+              <a:solidFill>
+                <a:schemeClr val="tx1"/>
+              </a:solidFill>
+            </a:endParaRPr>
+          </a:p>
+          <a:p>
+            <a:pPr algn="ctr"/>
+            <a:endParaRPr lang="de-CH" dirty="0">
+              <a:solidFill>
+                <a:schemeClr val="tx1"/>
+              </a:solidFill>
+            </a:endParaRPr>
+          </a:p>
+          <a:p>
+            <a:pPr algn="ctr"/>
+            <a:endParaRPr lang="de-CH" dirty="0" smtClean="0">
+              <a:solidFill>
+                <a:schemeClr val="tx1"/>
+              </a:solidFill>
+            </a:endParaRPr>
+          </a:p>
+          <a:p>
+            <a:pPr algn="ctr"/>
+            <a:endParaRPr lang="de-CH" dirty="0">
+              <a:solidFill>
+                <a:schemeClr val="tx1"/>
+              </a:solidFill>
+            </a:endParaRPr>
+          </a:p>
+          <a:p>
+            <a:pPr algn="ctr"/>
+            <a:endParaRPr lang="de-CH" dirty="0" smtClean="0">
+              <a:solidFill>
+                <a:schemeClr val="tx1"/>
+              </a:solidFill>
+            </a:endParaRPr>
+          </a:p>
+          <a:p>
+            <a:pPr algn="ctr"/>
+            <a:endParaRPr lang="de-CH" dirty="0">
+              <a:solidFill>
+                <a:schemeClr val="tx1"/>
+              </a:solidFill>
+            </a:endParaRPr>
+          </a:p>
+          <a:p>
+            <a:pPr algn="ctr"/>
+            <a:endParaRPr lang="de-CH" dirty="0" smtClean="0">
+              <a:solidFill>
+                <a:schemeClr val="tx1"/>
+              </a:solidFill>
+            </a:endParaRPr>
+          </a:p>
+          <a:p>
+            <a:pPr algn="ctr"/>
+            <a:endParaRPr lang="de-CH" dirty="0">
+              <a:solidFill>
+                <a:schemeClr val="tx1"/>
+              </a:solidFill>
+            </a:endParaRPr>
+          </a:p>
+          <a:p>
+            <a:pPr algn="ctr"/>
+            <a:endParaRPr lang="de-CH" dirty="0" smtClean="0">
+              <a:solidFill>
+                <a:schemeClr val="tx1"/>
+              </a:solidFill>
+            </a:endParaRPr>
+          </a:p>
+          <a:p>
+            <a:pPr algn="ctr"/>
+            <a:endParaRPr lang="de-CH" dirty="0">
+              <a:solidFill>
+                <a:schemeClr val="tx1"/>
+              </a:solidFill>
+            </a:endParaRPr>
+          </a:p>
+        </p:txBody>
+      </p:sp>
+      <p:sp>
+        <p:nvSpPr>
+          <p:cNvPr id="20" name="Rechteck 19"/>
+          <p:cNvSpPr/>
+          <p:nvPr/>
+        </p:nvSpPr>
+        <p:spPr>
+          <a:xfrm>
+            <a:off x="5101240" y="2255519"/>
+            <a:ext cx="1679173" cy="3979579"/>
+          </a:xfrm>
+          <a:prstGeom prst="rect">
+            <a:avLst/>
+          </a:prstGeom>
+          <a:solidFill>
+            <a:srgbClr val="FF5B5B"/>
+          </a:solidFill>
+        </p:spPr>
+        <p:style>
+          <a:lnRef idx="2">
+            <a:schemeClr val="accent1">
+              <a:shade val="50000"/>
+            </a:schemeClr>
+          </a:lnRef>
+          <a:fillRef idx="1">
+            <a:schemeClr val="accent1"/>
+          </a:fillRef>
+          <a:effectRef idx="0">
+            <a:schemeClr val="accent1"/>
+          </a:effectRef>
+          <a:fontRef idx="minor">
+            <a:schemeClr val="lt1"/>
+          </a:fontRef>
+        </p:style>
+        <p:txBody>
+          <a:bodyPr rtlCol="0" anchor="ctr"/>
+          <a:lstStyle/>
+          <a:p>
+            <a:pPr algn="ctr"/>
+            <a:r>
+              <a:rPr lang="de-CH" dirty="0" smtClean="0">
+                <a:solidFill>
+                  <a:schemeClr val="tx1"/>
+                </a:solidFill>
+              </a:rPr>
+              <a:t>Controller</a:t>
+            </a:r>
+          </a:p>
+          <a:p>
+            <a:pPr algn="ctr"/>
+            <a:endParaRPr lang="de-CH" dirty="0"/>
+          </a:p>
+          <a:p>
+            <a:pPr algn="ctr"/>
+            <a:endParaRPr lang="de-CH" dirty="0" smtClean="0"/>
+          </a:p>
+          <a:p>
+            <a:pPr algn="ctr"/>
+            <a:endParaRPr lang="de-CH" dirty="0"/>
+          </a:p>
+          <a:p>
+            <a:pPr algn="ctr"/>
+            <a:endParaRPr lang="de-CH" dirty="0" smtClean="0"/>
+          </a:p>
+          <a:p>
+            <a:pPr algn="ctr"/>
+            <a:endParaRPr lang="de-CH" dirty="0"/>
+          </a:p>
+          <a:p>
+            <a:pPr algn="ctr"/>
+            <a:endParaRPr lang="de-CH" dirty="0" smtClean="0"/>
+          </a:p>
+          <a:p>
+            <a:pPr algn="ctr"/>
+            <a:endParaRPr lang="de-CH" dirty="0"/>
+          </a:p>
+          <a:p>
+            <a:pPr algn="ctr"/>
+            <a:endParaRPr lang="de-CH" dirty="0" smtClean="0"/>
+          </a:p>
+          <a:p>
+            <a:pPr algn="ctr"/>
+            <a:endParaRPr lang="de-CH" dirty="0"/>
+          </a:p>
+          <a:p>
+            <a:pPr algn="ctr"/>
+            <a:endParaRPr lang="de-CH" dirty="0" smtClean="0"/>
+          </a:p>
+          <a:p>
+            <a:pPr algn="ctr"/>
+            <a:endParaRPr lang="de-CH" dirty="0"/>
+          </a:p>
+          <a:p>
+            <a:pPr algn="ctr"/>
+            <a:endParaRPr lang="de-CH" dirty="0" smtClean="0"/>
+          </a:p>
+          <a:p>
+            <a:pPr algn="ctr"/>
+            <a:endParaRPr lang="de-CH" dirty="0"/>
+          </a:p>
+        </p:txBody>
+      </p:sp>
+      <p:sp>
+        <p:nvSpPr>
+          <p:cNvPr id="21" name="Rechteck 20"/>
+          <p:cNvSpPr/>
+          <p:nvPr/>
+        </p:nvSpPr>
+        <p:spPr>
+          <a:xfrm>
+            <a:off x="3021917" y="2255518"/>
+            <a:ext cx="1679173" cy="3979579"/>
+          </a:xfrm>
+          <a:prstGeom prst="rect">
+            <a:avLst/>
+          </a:prstGeom>
+          <a:solidFill>
+            <a:srgbClr val="FF5B5B"/>
+          </a:solidFill>
+        </p:spPr>
+        <p:style>
+          <a:lnRef idx="2">
+            <a:schemeClr val="accent1">
+              <a:shade val="50000"/>
+            </a:schemeClr>
+          </a:lnRef>
+          <a:fillRef idx="1">
+            <a:schemeClr val="accent1"/>
+          </a:fillRef>
+          <a:effectRef idx="0">
+            <a:schemeClr val="accent1"/>
+          </a:effectRef>
+          <a:fontRef idx="minor">
+            <a:schemeClr val="lt1"/>
+          </a:fontRef>
+        </p:style>
+        <p:txBody>
+          <a:bodyPr rtlCol="0" anchor="ctr"/>
+          <a:lstStyle/>
+          <a:p>
+            <a:pPr algn="ctr"/>
+            <a:r>
+              <a:rPr lang="de-CH" dirty="0" smtClean="0">
+                <a:solidFill>
+                  <a:schemeClr val="tx1"/>
+                </a:solidFill>
+              </a:rPr>
+              <a:t>View</a:t>
+            </a:r>
+          </a:p>
+          <a:p>
+            <a:pPr algn="ctr"/>
+            <a:endParaRPr lang="de-CH" dirty="0"/>
+          </a:p>
+          <a:p>
+            <a:pPr algn="ctr"/>
+            <a:endParaRPr lang="de-CH" dirty="0" smtClean="0"/>
+          </a:p>
+          <a:p>
+            <a:pPr algn="ctr"/>
+            <a:endParaRPr lang="de-CH" dirty="0"/>
+          </a:p>
+          <a:p>
+            <a:pPr algn="ctr"/>
+            <a:endParaRPr lang="de-CH" dirty="0" smtClean="0"/>
+          </a:p>
+          <a:p>
+            <a:pPr algn="ctr"/>
+            <a:endParaRPr lang="de-CH" dirty="0"/>
+          </a:p>
+          <a:p>
+            <a:pPr algn="ctr"/>
+            <a:endParaRPr lang="de-CH" dirty="0" smtClean="0"/>
+          </a:p>
+          <a:p>
+            <a:pPr algn="ctr"/>
+            <a:endParaRPr lang="de-CH" dirty="0"/>
+          </a:p>
+          <a:p>
+            <a:pPr algn="ctr"/>
+            <a:endParaRPr lang="de-CH" dirty="0" smtClean="0"/>
+          </a:p>
+          <a:p>
+            <a:pPr algn="ctr"/>
+            <a:endParaRPr lang="de-CH" dirty="0"/>
+          </a:p>
+          <a:p>
+            <a:pPr algn="ctr"/>
+            <a:endParaRPr lang="de-CH" dirty="0" smtClean="0"/>
+          </a:p>
+          <a:p>
+            <a:pPr algn="ctr"/>
+            <a:endParaRPr lang="de-CH" dirty="0"/>
+          </a:p>
+          <a:p>
+            <a:pPr algn="ctr"/>
+            <a:endParaRPr lang="de-CH" dirty="0" smtClean="0"/>
+          </a:p>
+          <a:p>
+            <a:pPr algn="ctr"/>
+            <a:endParaRPr lang="de-CH" dirty="0"/>
+          </a:p>
+        </p:txBody>
+      </p:sp>
+      <p:sp>
+        <p:nvSpPr>
+          <p:cNvPr id="22" name="Rechteck 21"/>
+          <p:cNvSpPr/>
+          <p:nvPr/>
+        </p:nvSpPr>
+        <p:spPr>
+          <a:xfrm>
+            <a:off x="7180564" y="2255520"/>
+            <a:ext cx="1679173" cy="3979579"/>
+          </a:xfrm>
+          <a:prstGeom prst="rect">
+            <a:avLst/>
+          </a:prstGeom>
+          <a:solidFill>
+            <a:srgbClr val="FF5B5B"/>
+          </a:solidFill>
+        </p:spPr>
+        <p:style>
+          <a:lnRef idx="2">
+            <a:schemeClr val="accent1">
+              <a:shade val="50000"/>
+            </a:schemeClr>
+          </a:lnRef>
+          <a:fillRef idx="1">
+            <a:schemeClr val="accent1"/>
+          </a:fillRef>
+          <a:effectRef idx="0">
+            <a:schemeClr val="accent1"/>
+          </a:effectRef>
+          <a:fontRef idx="minor">
+            <a:schemeClr val="lt1"/>
+          </a:fontRef>
+        </p:style>
+        <p:txBody>
+          <a:bodyPr rtlCol="0" anchor="ctr"/>
+          <a:lstStyle/>
+          <a:p>
+            <a:pPr algn="ctr"/>
+            <a:r>
+              <a:rPr lang="de-CH" dirty="0" smtClean="0">
+                <a:solidFill>
+                  <a:schemeClr val="tx1"/>
+                </a:solidFill>
+              </a:rPr>
+              <a:t>Model</a:t>
+            </a:r>
+          </a:p>
+          <a:p>
+            <a:pPr algn="ctr"/>
+            <a:endParaRPr lang="de-CH" dirty="0"/>
+          </a:p>
+          <a:p>
+            <a:pPr algn="ctr"/>
+            <a:endParaRPr lang="de-CH" dirty="0" smtClean="0"/>
+          </a:p>
+          <a:p>
+            <a:pPr algn="ctr"/>
+            <a:endParaRPr lang="de-CH" dirty="0"/>
+          </a:p>
+          <a:p>
+            <a:pPr algn="ctr"/>
+            <a:endParaRPr lang="de-CH" dirty="0" smtClean="0"/>
+          </a:p>
+          <a:p>
+            <a:pPr algn="ctr"/>
+            <a:endParaRPr lang="de-CH" dirty="0"/>
+          </a:p>
+          <a:p>
+            <a:pPr algn="ctr"/>
+            <a:endParaRPr lang="de-CH" dirty="0" smtClean="0"/>
+          </a:p>
+          <a:p>
+            <a:pPr algn="ctr"/>
+            <a:endParaRPr lang="de-CH" dirty="0"/>
+          </a:p>
+          <a:p>
+            <a:pPr algn="ctr"/>
+            <a:endParaRPr lang="de-CH" dirty="0" smtClean="0"/>
+          </a:p>
+          <a:p>
+            <a:pPr algn="ctr"/>
+            <a:endParaRPr lang="de-CH" dirty="0"/>
+          </a:p>
+          <a:p>
+            <a:pPr algn="ctr"/>
+            <a:endParaRPr lang="de-CH" dirty="0" smtClean="0"/>
+          </a:p>
+          <a:p>
+            <a:pPr algn="ctr"/>
+            <a:endParaRPr lang="de-CH" dirty="0"/>
+          </a:p>
+          <a:p>
+            <a:pPr algn="ctr"/>
+            <a:endParaRPr lang="de-CH" dirty="0" smtClean="0"/>
+          </a:p>
+          <a:p>
+            <a:pPr algn="ctr"/>
+            <a:endParaRPr lang="de-CH" dirty="0"/>
+          </a:p>
+        </p:txBody>
+      </p:sp>
+      <p:cxnSp>
+        <p:nvCxnSpPr>
+          <p:cNvPr id="24" name="Gerade Verbindung mit Pfeil 23"/>
+          <p:cNvCxnSpPr/>
+          <p:nvPr/>
+        </p:nvCxnSpPr>
+        <p:spPr>
+          <a:xfrm>
+            <a:off x="2551900" y="3196917"/>
+            <a:ext cx="2530294" cy="0"/>
+          </a:xfrm>
+          <a:prstGeom prst="straightConnector1">
+            <a:avLst/>
+          </a:prstGeom>
+          <a:ln w="38100">
+            <a:solidFill>
+              <a:schemeClr val="tx1"/>
+            </a:solidFill>
+            <a:tailEnd type="triangle"/>
+          </a:ln>
+        </p:spPr>
+        <p:style>
+          <a:lnRef idx="1">
+            <a:schemeClr val="accent1"/>
+          </a:lnRef>
+          <a:fillRef idx="0">
+            <a:schemeClr val="accent1"/>
+          </a:fillRef>
+          <a:effectRef idx="0">
+            <a:schemeClr val="accent1"/>
+          </a:effectRef>
+          <a:fontRef idx="minor">
+            <a:schemeClr val="tx1"/>
+          </a:fontRef>
+        </p:style>
+      </p:cxnSp>
+      <p:sp>
+        <p:nvSpPr>
+          <p:cNvPr id="25" name="Rechteck 24"/>
+          <p:cNvSpPr/>
+          <p:nvPr/>
+        </p:nvSpPr>
+        <p:spPr>
+          <a:xfrm>
+            <a:off x="9259887" y="2255519"/>
+            <a:ext cx="1679173" cy="3979579"/>
+          </a:xfrm>
+          <a:prstGeom prst="rect">
+            <a:avLst/>
+          </a:prstGeom>
+          <a:solidFill>
+            <a:srgbClr val="FF5B5B"/>
+          </a:solidFill>
+        </p:spPr>
+        <p:style>
+          <a:lnRef idx="2">
+            <a:schemeClr val="accent1">
+              <a:shade val="50000"/>
+            </a:schemeClr>
+          </a:lnRef>
+          <a:fillRef idx="1">
+            <a:schemeClr val="accent1"/>
+          </a:fillRef>
+          <a:effectRef idx="0">
+            <a:schemeClr val="accent1"/>
+          </a:effectRef>
+          <a:fontRef idx="minor">
+            <a:schemeClr val="lt1"/>
+          </a:fontRef>
+        </p:style>
+        <p:txBody>
+          <a:bodyPr rtlCol="0" anchor="ctr"/>
+          <a:lstStyle/>
+          <a:p>
+            <a:pPr algn="ctr"/>
+            <a:r>
+              <a:rPr lang="de-CH" dirty="0" smtClean="0">
+                <a:solidFill>
+                  <a:schemeClr val="tx1"/>
+                </a:solidFill>
+              </a:rPr>
+              <a:t>Database</a:t>
+            </a:r>
+          </a:p>
+          <a:p>
+            <a:pPr algn="ctr"/>
+            <a:endParaRPr lang="de-CH" dirty="0"/>
+          </a:p>
+          <a:p>
+            <a:pPr algn="ctr"/>
+            <a:endParaRPr lang="de-CH" dirty="0" smtClean="0"/>
+          </a:p>
+          <a:p>
+            <a:pPr algn="ctr"/>
+            <a:endParaRPr lang="de-CH" dirty="0"/>
+          </a:p>
+          <a:p>
+            <a:pPr algn="ctr"/>
+            <a:endParaRPr lang="de-CH" dirty="0" smtClean="0"/>
+          </a:p>
+          <a:p>
+            <a:pPr algn="ctr"/>
+            <a:endParaRPr lang="de-CH" dirty="0"/>
+          </a:p>
+          <a:p>
+            <a:pPr algn="ctr"/>
+            <a:endParaRPr lang="de-CH" dirty="0" smtClean="0"/>
+          </a:p>
+          <a:p>
+            <a:pPr algn="ctr"/>
+            <a:endParaRPr lang="de-CH" dirty="0"/>
+          </a:p>
+          <a:p>
+            <a:pPr algn="ctr"/>
+            <a:endParaRPr lang="de-CH" dirty="0" smtClean="0"/>
+          </a:p>
+          <a:p>
+            <a:pPr algn="ctr"/>
+            <a:endParaRPr lang="de-CH" dirty="0"/>
+          </a:p>
+          <a:p>
+            <a:pPr algn="ctr"/>
+            <a:endParaRPr lang="de-CH" dirty="0" smtClean="0"/>
+          </a:p>
+          <a:p>
+            <a:pPr algn="ctr"/>
+            <a:endParaRPr lang="de-CH" dirty="0"/>
+          </a:p>
+          <a:p>
+            <a:pPr algn="ctr"/>
+            <a:endParaRPr lang="de-CH" dirty="0" smtClean="0"/>
+          </a:p>
+          <a:p>
+            <a:pPr algn="ctr"/>
+            <a:endParaRPr lang="de-CH" dirty="0"/>
+          </a:p>
+        </p:txBody>
+      </p:sp>
+      <p:sp>
+        <p:nvSpPr>
+          <p:cNvPr id="16" name="Textfeld 15"/>
+          <p:cNvSpPr txBox="1"/>
+          <p:nvPr/>
+        </p:nvSpPr>
+        <p:spPr>
+          <a:xfrm>
+            <a:off x="853682" y="2819058"/>
+            <a:ext cx="1679174" cy="830997"/>
+          </a:xfrm>
+          <a:prstGeom prst="rect">
+            <a:avLst/>
+          </a:prstGeom>
+          <a:noFill/>
+          <a:ln>
+            <a:solidFill>
+              <a:schemeClr val="tx1"/>
+            </a:solidFill>
+          </a:ln>
+        </p:spPr>
+        <p:txBody>
+          <a:bodyPr wrap="square" rtlCol="0">
+            <a:spAutoFit/>
+          </a:bodyPr>
+          <a:lstStyle/>
+          <a:p>
+            <a:pPr algn="ctr"/>
+            <a:r>
+              <a:rPr lang="de-CH" sz="1600" dirty="0" smtClean="0"/>
+              <a:t>Institutionen</a:t>
+            </a:r>
+            <a:br>
+              <a:rPr lang="de-CH" sz="1600" dirty="0" smtClean="0"/>
+            </a:br>
+            <a:r>
+              <a:rPr lang="de-CH" sz="1600" dirty="0" smtClean="0"/>
+              <a:t>Behandlungen</a:t>
+            </a:r>
+            <a:br>
+              <a:rPr lang="de-CH" sz="1600" dirty="0" smtClean="0"/>
+            </a:br>
+            <a:r>
+              <a:rPr lang="de-CH" sz="1600" dirty="0" smtClean="0"/>
+              <a:t>Patienten</a:t>
+            </a:r>
+            <a:endParaRPr lang="de-CH" sz="1600" dirty="0"/>
+          </a:p>
+        </p:txBody>
+      </p:sp>
+      <p:sp>
+        <p:nvSpPr>
+          <p:cNvPr id="26" name="Textfeld 25"/>
+          <p:cNvSpPr txBox="1"/>
+          <p:nvPr/>
+        </p:nvSpPr>
+        <p:spPr>
+          <a:xfrm>
+            <a:off x="5108940" y="2823181"/>
+            <a:ext cx="1679173" cy="830997"/>
+          </a:xfrm>
+          <a:prstGeom prst="rect">
+            <a:avLst/>
+          </a:prstGeom>
+          <a:noFill/>
+          <a:ln>
+            <a:solidFill>
+              <a:schemeClr val="tx1"/>
+            </a:solidFill>
+          </a:ln>
+        </p:spPr>
+        <p:txBody>
+          <a:bodyPr wrap="square" rtlCol="0">
+            <a:spAutoFit/>
+          </a:bodyPr>
+          <a:lstStyle/>
+          <a:p>
+            <a:pPr algn="ctr"/>
+            <a:r>
+              <a:rPr lang="de-CH" sz="1600" dirty="0" err="1" smtClean="0"/>
+              <a:t>getAll</a:t>
+            </a:r>
+            <a:r>
+              <a:rPr lang="de-CH" sz="1600" dirty="0" smtClean="0"/>
+              <a:t>(</a:t>
+            </a:r>
+            <a:r>
+              <a:rPr lang="de-CH" sz="1600" dirty="0" err="1" smtClean="0"/>
+              <a:t>institutions,treatments</a:t>
+            </a:r>
+            <a:r>
+              <a:rPr lang="de-CH" sz="1600" dirty="0" smtClean="0"/>
+              <a:t>, </a:t>
+            </a:r>
+            <a:r>
+              <a:rPr lang="de-CH" sz="1600" dirty="0" err="1" smtClean="0"/>
+              <a:t>patients</a:t>
+            </a:r>
+            <a:r>
+              <a:rPr lang="de-CH" sz="1600" dirty="0" smtClean="0"/>
+              <a:t>)</a:t>
+            </a:r>
+            <a:endParaRPr lang="de-CH" sz="1600" dirty="0"/>
+          </a:p>
+        </p:txBody>
+      </p:sp>
+      <p:sp>
+        <p:nvSpPr>
+          <p:cNvPr id="27" name="Textfeld 26"/>
+          <p:cNvSpPr txBox="1"/>
+          <p:nvPr/>
+        </p:nvSpPr>
+        <p:spPr>
+          <a:xfrm>
+            <a:off x="7169218" y="3838844"/>
+            <a:ext cx="1679173" cy="338554"/>
+          </a:xfrm>
+          <a:prstGeom prst="rect">
+            <a:avLst/>
+          </a:prstGeom>
+          <a:noFill/>
+          <a:ln>
+            <a:solidFill>
+              <a:schemeClr val="tx1"/>
+            </a:solidFill>
+          </a:ln>
+        </p:spPr>
+        <p:txBody>
+          <a:bodyPr wrap="square" rtlCol="0">
+            <a:spAutoFit/>
+          </a:bodyPr>
+          <a:lstStyle/>
+          <a:p>
+            <a:pPr algn="ctr"/>
+            <a:r>
+              <a:rPr lang="de-CH" sz="1600" dirty="0" err="1" smtClean="0"/>
+              <a:t>getData</a:t>
+            </a:r>
+            <a:endParaRPr lang="de-CH" sz="1600" dirty="0"/>
+          </a:p>
+        </p:txBody>
+      </p:sp>
+      <p:sp>
+        <p:nvSpPr>
+          <p:cNvPr id="28" name="Textfeld 27"/>
+          <p:cNvSpPr txBox="1"/>
+          <p:nvPr/>
+        </p:nvSpPr>
+        <p:spPr>
+          <a:xfrm>
+            <a:off x="5108940" y="4749232"/>
+            <a:ext cx="1679173" cy="338554"/>
+          </a:xfrm>
+          <a:prstGeom prst="rect">
+            <a:avLst/>
+          </a:prstGeom>
+          <a:noFill/>
+          <a:ln>
+            <a:solidFill>
+              <a:schemeClr val="tx1"/>
+            </a:solidFill>
+          </a:ln>
+        </p:spPr>
+        <p:txBody>
+          <a:bodyPr wrap="square" rtlCol="0">
+            <a:spAutoFit/>
+          </a:bodyPr>
+          <a:lstStyle/>
+          <a:p>
+            <a:pPr algn="ctr"/>
+            <a:r>
+              <a:rPr lang="de-CH" sz="1600" dirty="0" err="1" smtClean="0"/>
+              <a:t>generateList</a:t>
+            </a:r>
+            <a:r>
+              <a:rPr lang="de-CH" sz="1600" dirty="0" smtClean="0"/>
+              <a:t>()</a:t>
+            </a:r>
+            <a:endParaRPr lang="de-CH" sz="1600" dirty="0"/>
+          </a:p>
+        </p:txBody>
+      </p:sp>
+      <p:sp>
+        <p:nvSpPr>
+          <p:cNvPr id="29" name="Textfeld 28"/>
+          <p:cNvSpPr txBox="1"/>
+          <p:nvPr/>
+        </p:nvSpPr>
+        <p:spPr>
+          <a:xfrm>
+            <a:off x="3014217" y="5116984"/>
+            <a:ext cx="1679173" cy="338554"/>
+          </a:xfrm>
+          <a:prstGeom prst="rect">
+            <a:avLst/>
+          </a:prstGeom>
+          <a:noFill/>
+          <a:ln>
+            <a:solidFill>
+              <a:schemeClr val="tx1"/>
+            </a:solidFill>
+          </a:ln>
+        </p:spPr>
+        <p:txBody>
+          <a:bodyPr wrap="square" rtlCol="0">
+            <a:spAutoFit/>
+          </a:bodyPr>
+          <a:lstStyle/>
+          <a:p>
+            <a:pPr algn="ctr"/>
+            <a:r>
+              <a:rPr lang="de-CH" sz="1600" dirty="0" smtClean="0"/>
+              <a:t>Output(Statistik)</a:t>
+            </a:r>
+            <a:endParaRPr lang="de-CH" sz="1600" dirty="0"/>
+          </a:p>
+        </p:txBody>
+      </p:sp>
+      <p:pic>
+        <p:nvPicPr>
+          <p:cNvPr id="1026" name="Picture 2" descr="https://image.freepik.com/vektoren-kostenlos/architetto-datenbank_17-501211953.jpg"/>
+          <p:cNvPicPr>
+            <a:picLocks noChangeAspect="1" noChangeArrowheads="1"/>
+          </p:cNvPicPr>
+          <p:nvPr/>
+        </p:nvPicPr>
+        <p:blipFill>
+          <a:blip r:embed="rId2" cstate="print">
+            <a:extLst>
+              <a:ext uri="{28A0092B-C50C-407E-A947-70E740481C1C}">
+                <a14:useLocalDpi xmlns:a14="http://schemas.microsoft.com/office/drawing/2010/main" val="0"/>
+              </a:ext>
+            </a:extLst>
+          </a:blip>
+          <a:srcRect/>
+          <a:stretch>
+            <a:fillRect/>
+          </a:stretch>
+        </p:blipFill>
+        <p:spPr bwMode="auto">
+          <a:xfrm>
+            <a:off x="9709067" y="3860922"/>
+            <a:ext cx="763878" cy="880640"/>
+          </a:xfrm>
+          <a:prstGeom prst="rect">
+            <a:avLst/>
+          </a:prstGeom>
+          <a:noFill/>
+          <a:extLst>
+            <a:ext uri="{909E8E84-426E-40DD-AFC4-6F175D3DCCD1}">
+              <a14:hiddenFill xmlns:a14="http://schemas.microsoft.com/office/drawing/2010/main">
+                <a:solidFill>
+                  <a:srgbClr val="FFFFFF"/>
+                </a:solidFill>
+              </a14:hiddenFill>
+            </a:ext>
+          </a:extLst>
+        </p:spPr>
+      </p:pic>
+      <p:sp>
+        <p:nvSpPr>
+          <p:cNvPr id="36" name="Textfeld 35"/>
+          <p:cNvSpPr txBox="1"/>
+          <p:nvPr/>
+        </p:nvSpPr>
+        <p:spPr>
+          <a:xfrm>
+            <a:off x="3048662" y="3247720"/>
+            <a:ext cx="1679173" cy="338554"/>
+          </a:xfrm>
+          <a:prstGeom prst="rect">
+            <a:avLst/>
+          </a:prstGeom>
+          <a:noFill/>
+          <a:ln>
+            <a:noFill/>
+          </a:ln>
+        </p:spPr>
+        <p:txBody>
+          <a:bodyPr wrap="square" rtlCol="0">
+            <a:spAutoFit/>
+          </a:bodyPr>
+          <a:lstStyle/>
+          <a:p>
+            <a:pPr algn="ctr"/>
+            <a:r>
+              <a:rPr lang="de-CH" sz="1600" dirty="0" err="1" smtClean="0"/>
+              <a:t>request</a:t>
+            </a:r>
+            <a:endParaRPr lang="de-CH" sz="1600" dirty="0"/>
+          </a:p>
+        </p:txBody>
+      </p:sp>
+      <p:cxnSp>
+        <p:nvCxnSpPr>
+          <p:cNvPr id="37" name="Gerade Verbindung mit Pfeil 36"/>
+          <p:cNvCxnSpPr/>
+          <p:nvPr/>
+        </p:nvCxnSpPr>
+        <p:spPr>
+          <a:xfrm>
+            <a:off x="6799459" y="3257109"/>
+            <a:ext cx="381104" cy="673211"/>
+          </a:xfrm>
+          <a:prstGeom prst="straightConnector1">
+            <a:avLst/>
+          </a:prstGeom>
+          <a:ln w="38100">
+            <a:solidFill>
+              <a:schemeClr val="tx1"/>
+            </a:solidFill>
+            <a:tailEnd type="triangle"/>
+          </a:ln>
+        </p:spPr>
+        <p:style>
+          <a:lnRef idx="1">
+            <a:schemeClr val="accent1"/>
+          </a:lnRef>
+          <a:fillRef idx="0">
+            <a:schemeClr val="accent1"/>
+          </a:fillRef>
+          <a:effectRef idx="0">
+            <a:schemeClr val="accent1"/>
+          </a:effectRef>
+          <a:fontRef idx="minor">
+            <a:schemeClr val="tx1"/>
+          </a:fontRef>
+        </p:style>
+      </p:cxnSp>
+      <p:cxnSp>
+        <p:nvCxnSpPr>
+          <p:cNvPr id="39" name="Gerade Verbindung mit Pfeil 38"/>
+          <p:cNvCxnSpPr/>
+          <p:nvPr/>
+        </p:nvCxnSpPr>
+        <p:spPr>
+          <a:xfrm flipV="1">
+            <a:off x="8873216" y="3953933"/>
+            <a:ext cx="830284" cy="1492"/>
+          </a:xfrm>
+          <a:prstGeom prst="straightConnector1">
+            <a:avLst/>
+          </a:prstGeom>
+          <a:ln w="38100">
+            <a:solidFill>
+              <a:schemeClr val="tx1"/>
+            </a:solidFill>
+            <a:tailEnd type="triangle"/>
+          </a:ln>
+        </p:spPr>
+        <p:style>
+          <a:lnRef idx="1">
+            <a:schemeClr val="accent1"/>
+          </a:lnRef>
+          <a:fillRef idx="0">
+            <a:schemeClr val="accent1"/>
+          </a:fillRef>
+          <a:effectRef idx="0">
+            <a:schemeClr val="accent1"/>
+          </a:effectRef>
+          <a:fontRef idx="minor">
+            <a:schemeClr val="tx1"/>
+          </a:fontRef>
+        </p:style>
+      </p:cxnSp>
+      <p:cxnSp>
+        <p:nvCxnSpPr>
+          <p:cNvPr id="41" name="Gerade Verbindung mit Pfeil 40"/>
+          <p:cNvCxnSpPr/>
+          <p:nvPr/>
+        </p:nvCxnSpPr>
+        <p:spPr>
+          <a:xfrm flipH="1">
+            <a:off x="8832333" y="4498249"/>
+            <a:ext cx="855108" cy="0"/>
+          </a:xfrm>
+          <a:prstGeom prst="straightConnector1">
+            <a:avLst/>
+          </a:prstGeom>
+          <a:ln w="38100">
+            <a:solidFill>
+              <a:schemeClr val="tx1"/>
+            </a:solidFill>
+            <a:tailEnd type="triangle"/>
+          </a:ln>
+        </p:spPr>
+        <p:style>
+          <a:lnRef idx="1">
+            <a:schemeClr val="accent1"/>
+          </a:lnRef>
+          <a:fillRef idx="0">
+            <a:schemeClr val="accent1"/>
+          </a:fillRef>
+          <a:effectRef idx="0">
+            <a:schemeClr val="accent1"/>
+          </a:effectRef>
+          <a:fontRef idx="minor">
+            <a:schemeClr val="tx1"/>
+          </a:fontRef>
+        </p:style>
+      </p:cxnSp>
+      <p:cxnSp>
+        <p:nvCxnSpPr>
+          <p:cNvPr id="46" name="Gerade Verbindung mit Pfeil 45"/>
+          <p:cNvCxnSpPr/>
+          <p:nvPr/>
+        </p:nvCxnSpPr>
+        <p:spPr>
+          <a:xfrm flipH="1">
+            <a:off x="6780413" y="4498249"/>
+            <a:ext cx="435787" cy="250983"/>
+          </a:xfrm>
+          <a:prstGeom prst="straightConnector1">
+            <a:avLst/>
+          </a:prstGeom>
+          <a:ln w="38100">
+            <a:solidFill>
+              <a:schemeClr val="tx1"/>
+            </a:solidFill>
+            <a:tailEnd type="triangle"/>
+          </a:ln>
+        </p:spPr>
+        <p:style>
+          <a:lnRef idx="1">
+            <a:schemeClr val="accent1"/>
+          </a:lnRef>
+          <a:fillRef idx="0">
+            <a:schemeClr val="accent1"/>
+          </a:fillRef>
+          <a:effectRef idx="0">
+            <a:schemeClr val="accent1"/>
+          </a:effectRef>
+          <a:fontRef idx="minor">
+            <a:schemeClr val="tx1"/>
+          </a:fontRef>
+        </p:style>
+      </p:cxnSp>
+      <p:sp>
+        <p:nvSpPr>
+          <p:cNvPr id="50" name="Textfeld 49"/>
+          <p:cNvSpPr txBox="1"/>
+          <p:nvPr/>
+        </p:nvSpPr>
+        <p:spPr>
+          <a:xfrm>
+            <a:off x="7169218" y="4372230"/>
+            <a:ext cx="1679173" cy="338554"/>
+          </a:xfrm>
+          <a:prstGeom prst="rect">
+            <a:avLst/>
+          </a:prstGeom>
+          <a:noFill/>
+          <a:ln>
+            <a:solidFill>
+              <a:schemeClr val="tx1"/>
+            </a:solidFill>
+          </a:ln>
+        </p:spPr>
+        <p:txBody>
+          <a:bodyPr wrap="square" rtlCol="0">
+            <a:spAutoFit/>
+          </a:bodyPr>
+          <a:lstStyle/>
+          <a:p>
+            <a:pPr algn="ctr"/>
+            <a:r>
+              <a:rPr lang="de-CH" sz="1600" dirty="0" err="1" smtClean="0"/>
+              <a:t>setData</a:t>
+            </a:r>
+            <a:endParaRPr lang="de-CH" sz="1600" dirty="0"/>
+          </a:p>
+        </p:txBody>
+      </p:sp>
+      <p:cxnSp>
+        <p:nvCxnSpPr>
+          <p:cNvPr id="51" name="Gerade Verbindung mit Pfeil 50"/>
+          <p:cNvCxnSpPr/>
+          <p:nvPr/>
+        </p:nvCxnSpPr>
+        <p:spPr>
+          <a:xfrm flipH="1">
+            <a:off x="4689744" y="4953948"/>
+            <a:ext cx="392451" cy="336605"/>
+          </a:xfrm>
+          <a:prstGeom prst="straightConnector1">
+            <a:avLst/>
+          </a:prstGeom>
+          <a:ln w="38100">
+            <a:solidFill>
+              <a:schemeClr val="tx1"/>
+            </a:solidFill>
+            <a:tailEnd type="triangle"/>
+          </a:ln>
+        </p:spPr>
+        <p:style>
+          <a:lnRef idx="1">
+            <a:schemeClr val="accent1"/>
+          </a:lnRef>
+          <a:fillRef idx="0">
+            <a:schemeClr val="accent1"/>
+          </a:fillRef>
+          <a:effectRef idx="0">
+            <a:schemeClr val="accent1"/>
+          </a:effectRef>
+          <a:fontRef idx="minor">
+            <a:schemeClr val="tx1"/>
+          </a:fontRef>
+        </p:style>
+      </p:cxnSp>
+      <p:cxnSp>
+        <p:nvCxnSpPr>
+          <p:cNvPr id="56" name="Gerade Verbindung mit Pfeil 55"/>
+          <p:cNvCxnSpPr/>
+          <p:nvPr/>
+        </p:nvCxnSpPr>
+        <p:spPr>
+          <a:xfrm flipH="1">
+            <a:off x="2551900" y="5368814"/>
+            <a:ext cx="456377" cy="249760"/>
+          </a:xfrm>
+          <a:prstGeom prst="straightConnector1">
+            <a:avLst/>
+          </a:prstGeom>
+          <a:ln w="38100">
+            <a:solidFill>
+              <a:schemeClr val="tx1"/>
+            </a:solidFill>
+            <a:tailEnd type="triangle"/>
+          </a:ln>
+        </p:spPr>
+        <p:style>
+          <a:lnRef idx="1">
+            <a:schemeClr val="accent1"/>
+          </a:lnRef>
+          <a:fillRef idx="0">
+            <a:schemeClr val="accent1"/>
+          </a:fillRef>
+          <a:effectRef idx="0">
+            <a:schemeClr val="accent1"/>
+          </a:effectRef>
+          <a:fontRef idx="minor">
+            <a:schemeClr val="tx1"/>
+          </a:fontRef>
+        </p:style>
+      </p:cxnSp>
+      <p:sp>
+        <p:nvSpPr>
+          <p:cNvPr id="58" name="Textfeld 57"/>
+          <p:cNvSpPr txBox="1"/>
+          <p:nvPr/>
+        </p:nvSpPr>
+        <p:spPr>
+          <a:xfrm>
+            <a:off x="853681" y="5493060"/>
+            <a:ext cx="1679174" cy="338554"/>
+          </a:xfrm>
+          <a:prstGeom prst="rect">
+            <a:avLst/>
+          </a:prstGeom>
+          <a:noFill/>
+          <a:ln>
+            <a:solidFill>
+              <a:schemeClr val="tx1"/>
+            </a:solidFill>
+          </a:ln>
+        </p:spPr>
+        <p:txBody>
+          <a:bodyPr wrap="square" rtlCol="0">
+            <a:spAutoFit/>
+          </a:bodyPr>
+          <a:lstStyle/>
+          <a:p>
+            <a:pPr algn="ctr"/>
+            <a:r>
+              <a:rPr lang="de-CH" sz="1600" dirty="0" err="1" smtClean="0"/>
+              <a:t>response</a:t>
+            </a:r>
+            <a:endParaRPr lang="de-CH" sz="1600" dirty="0"/>
+          </a:p>
+        </p:txBody>
+      </p:sp>
+      <p:sp>
+        <p:nvSpPr>
+          <p:cNvPr id="59" name="Titel 1"/>
+          <p:cNvSpPr>
+            <a:spLocks noGrp="1"/>
+          </p:cNvSpPr>
+          <p:nvPr>
+            <p:ph type="title"/>
+          </p:nvPr>
+        </p:nvSpPr>
+        <p:spPr>
+          <a:xfrm>
+            <a:off x="839788" y="365125"/>
+            <a:ext cx="10515600" cy="1325563"/>
+          </a:xfrm>
+        </p:spPr>
+        <p:txBody>
+          <a:bodyPr/>
+          <a:lstStyle/>
+          <a:p>
+            <a:r>
+              <a:rPr lang="de-CH" dirty="0" smtClean="0"/>
+              <a:t>Software </a:t>
+            </a:r>
+            <a:r>
+              <a:rPr lang="de-CH" dirty="0" err="1" smtClean="0"/>
+              <a:t>architecture</a:t>
+            </a:r>
+            <a:r>
+              <a:rPr lang="de-CH" dirty="0" smtClean="0"/>
+              <a:t> (</a:t>
+            </a:r>
+            <a:r>
+              <a:rPr lang="de-CH" dirty="0" err="1" smtClean="0"/>
+              <a:t>Vaadin</a:t>
+            </a:r>
+            <a:r>
+              <a:rPr lang="de-CH" dirty="0" smtClean="0"/>
+              <a:t>)</a:t>
+            </a:r>
+            <a:endParaRPr lang="de-CH" dirty="0"/>
+          </a:p>
+        </p:txBody>
+      </p:sp>
+    </p:spTree>
+    <p:extLst>
+      <p:ext uri="{BB962C8B-B14F-4D97-AF65-F5344CB8AC3E}">
+        <p14:creationId xmlns:p14="http://schemas.microsoft.com/office/powerpoint/2010/main" val="1126169268"/>
+      </p:ext>
+    </p:extLst>
+  </p:cSld>
+  <p:clrMapOvr>
+    <a:masterClrMapping/>
+  </p:clrMapOvr>
+  <p:timing>
+    <p:tnLst>
+      <p:par>
+        <p:cTn id="1" dur="indefinite" restart="never" nodeType="tmRoot"/>
+      </p:par>
+    </p:tnLst>
+  </p:timing>
+</p:sld>
+</file>
+
+<file path=ppt/slides/slide4.xml><?xml version="1.0" encoding="utf-8"?>
+<p:sld xmlns:a="http://schemas.openxmlformats.org/drawingml/2006/main" xmlns:r="http://schemas.openxmlformats.org/officeDocument/2006/relationships" xmlns:p="http://schemas.openxmlformats.org/presentationml/2006/main">
+  <p:cSld>
+    <p:spTree>
+      <p:nvGrpSpPr>
+        <p:cNvPr id="1" name=""/>
+        <p:cNvGrpSpPr/>
+        <p:nvPr/>
+      </p:nvGrpSpPr>
+      <p:grpSpPr>
+        <a:xfrm>
+          <a:off x="0" y="0"/>
+          <a:ext cx="0" cy="0"/>
+          <a:chOff x="0" y="0"/>
+          <a:chExt cx="0" cy="0"/>
+        </a:xfrm>
+      </p:grpSpPr>
+      <p:sp>
+        <p:nvSpPr>
+          <p:cNvPr id="2" name="Titel 1"/>
+          <p:cNvSpPr>
+            <a:spLocks noGrp="1"/>
+          </p:cNvSpPr>
+          <p:nvPr>
+            <p:ph type="ctrTitle"/>
+          </p:nvPr>
+        </p:nvSpPr>
+        <p:spPr/>
+        <p:txBody>
+          <a:bodyPr/>
+          <a:lstStyle/>
+          <a:p>
+            <a:r>
+              <a:rPr lang="de-DE" dirty="0"/>
+              <a:t>Herzlichen Dank!</a:t>
+            </a:r>
+            <a:endParaRPr lang="de-CH" dirty="0"/>
+          </a:p>
+        </p:txBody>
+      </p:sp>
+    </p:spTree>
+    <p:extLst>
+      <p:ext uri="{BB962C8B-B14F-4D97-AF65-F5344CB8AC3E}">
+        <p14:creationId xmlns:p14="http://schemas.microsoft.com/office/powerpoint/2010/main" val="1339203020"/>
+      </p:ext>
+    </p:extLst>
+  </p:cSld>
+  <p:clrMapOvr>
+    <a:masterClrMapping/>
+  </p:clrMapOvr>
+  <p:timing>
+    <p:tnLst>
+      <p:par>
+        <p:cTn id="1" dur="indefinite" restart="never" nodeType="tmRoot"/>
+      </p:par>
+    </p:tnLst>
+  </p:timing>
 </p:sld>
 </file>
 

--- a/doc/task9/Softwarearchitecture.pptx
+++ b/doc/task9/Softwarearchitecture.pptx
@@ -246,7 +246,7 @@
           <a:p>
             <a:fld id="{4681F75E-962A-45C3-98CE-8645D5A252DE}" type="datetimeFigureOut">
               <a:rPr lang="de-CH" smtClean="0"/>
-              <a:t>01.12.2016</a:t>
+              <a:t>02.12.2016</a:t>
             </a:fld>
             <a:endParaRPr lang="de-CH"/>
           </a:p>
@@ -416,7 +416,7 @@
           <a:p>
             <a:fld id="{4681F75E-962A-45C3-98CE-8645D5A252DE}" type="datetimeFigureOut">
               <a:rPr lang="de-CH" smtClean="0"/>
-              <a:t>01.12.2016</a:t>
+              <a:t>02.12.2016</a:t>
             </a:fld>
             <a:endParaRPr lang="de-CH"/>
           </a:p>
@@ -596,7 +596,7 @@
           <a:p>
             <a:fld id="{4681F75E-962A-45C3-98CE-8645D5A252DE}" type="datetimeFigureOut">
               <a:rPr lang="de-CH" smtClean="0"/>
-              <a:t>01.12.2016</a:t>
+              <a:t>02.12.2016</a:t>
             </a:fld>
             <a:endParaRPr lang="de-CH"/>
           </a:p>
@@ -1795,7 +1795,7 @@
           <a:p>
             <a:fld id="{4681F75E-962A-45C3-98CE-8645D5A252DE}" type="datetimeFigureOut">
               <a:rPr lang="de-CH" smtClean="0"/>
-              <a:t>01.12.2016</a:t>
+              <a:t>02.12.2016</a:t>
             </a:fld>
             <a:endParaRPr lang="de-CH"/>
           </a:p>
@@ -2041,7 +2041,7 @@
           <a:p>
             <a:fld id="{4681F75E-962A-45C3-98CE-8645D5A252DE}" type="datetimeFigureOut">
               <a:rPr lang="de-CH" smtClean="0"/>
-              <a:t>01.12.2016</a:t>
+              <a:t>02.12.2016</a:t>
             </a:fld>
             <a:endParaRPr lang="de-CH"/>
           </a:p>
@@ -2273,7 +2273,7 @@
           <a:p>
             <a:fld id="{4681F75E-962A-45C3-98CE-8645D5A252DE}" type="datetimeFigureOut">
               <a:rPr lang="de-CH" smtClean="0"/>
-              <a:t>01.12.2016</a:t>
+              <a:t>02.12.2016</a:t>
             </a:fld>
             <a:endParaRPr lang="de-CH"/>
           </a:p>
@@ -2640,7 +2640,7 @@
           <a:p>
             <a:fld id="{4681F75E-962A-45C3-98CE-8645D5A252DE}" type="datetimeFigureOut">
               <a:rPr lang="de-CH" smtClean="0"/>
-              <a:t>01.12.2016</a:t>
+              <a:t>02.12.2016</a:t>
             </a:fld>
             <a:endParaRPr lang="de-CH"/>
           </a:p>
@@ -2758,7 +2758,7 @@
           <a:p>
             <a:fld id="{4681F75E-962A-45C3-98CE-8645D5A252DE}" type="datetimeFigureOut">
               <a:rPr lang="de-CH" smtClean="0"/>
-              <a:t>01.12.2016</a:t>
+              <a:t>02.12.2016</a:t>
             </a:fld>
             <a:endParaRPr lang="de-CH"/>
           </a:p>
@@ -2853,7 +2853,7 @@
           <a:p>
             <a:fld id="{4681F75E-962A-45C3-98CE-8645D5A252DE}" type="datetimeFigureOut">
               <a:rPr lang="de-CH" smtClean="0"/>
-              <a:t>01.12.2016</a:t>
+              <a:t>02.12.2016</a:t>
             </a:fld>
             <a:endParaRPr lang="de-CH"/>
           </a:p>
@@ -3130,7 +3130,7 @@
           <a:p>
             <a:fld id="{4681F75E-962A-45C3-98CE-8645D5A252DE}" type="datetimeFigureOut">
               <a:rPr lang="de-CH" smtClean="0"/>
-              <a:t>01.12.2016</a:t>
+              <a:t>02.12.2016</a:t>
             </a:fld>
             <a:endParaRPr lang="de-CH"/>
           </a:p>
@@ -3383,7 +3383,7 @@
           <a:p>
             <a:fld id="{4681F75E-962A-45C3-98CE-8645D5A252DE}" type="datetimeFigureOut">
               <a:rPr lang="de-CH" smtClean="0"/>
-              <a:t>01.12.2016</a:t>
+              <a:t>02.12.2016</a:t>
             </a:fld>
             <a:endParaRPr lang="de-CH"/>
           </a:p>
@@ -3596,7 +3596,7 @@
           <a:p>
             <a:fld id="{4681F75E-962A-45C3-98CE-8645D5A252DE}" type="datetimeFigureOut">
               <a:rPr lang="de-CH" smtClean="0"/>
-              <a:t>01.12.2016</a:t>
+              <a:t>02.12.2016</a:t>
             </a:fld>
             <a:endParaRPr lang="de-CH"/>
           </a:p>
@@ -4067,6 +4067,10 @@
           <a:bodyPr/>
           <a:lstStyle/>
           <a:p>
+            <a:r>
+              <a:rPr lang="de-CH" smtClean="0"/>
+              <a:t>Software Engineering</a:t>
+            </a:r>
             <a:endParaRPr lang="de-CH"/>
           </a:p>
         </p:txBody>
